--- a/Docs/Racing.pptx
+++ b/Docs/Racing.pptx
@@ -211,7 +211,7 @@
             <a:pPr rtl="0"/>
             <a:fld id="{2B082A3F-97A2-4616-8087-F4F9C32F322A}" type="datetime1">
               <a:rPr lang="ru-RU" noProof="1" smtClean="0"/>
-              <a:t>19.01.2022</a:t>
+              <a:t>20.01.2022</a:t>
             </a:fld>
             <a:endParaRPr lang="ru-RU" noProof="1"/>
           </a:p>
@@ -381,7 +381,7 @@
             <a:pPr rtl="0"/>
             <a:fld id="{7DB540F7-3AE0-49D6-8D98-5D07B76EA3AD}" type="datetime1">
               <a:rPr lang="ru-RU" noProof="1" smtClean="0"/>
-              <a:t>19.01.2022</a:t>
+              <a:t>20.01.2022</a:t>
             </a:fld>
             <a:endParaRPr lang="ru-RU" noProof="1"/>
           </a:p>
@@ -1950,7 +1950,7 @@
             <a:pPr rtl="0"/>
             <a:fld id="{0595A572-1A41-49FA-B746-B4027ADB84ED}" type="datetime1">
               <a:rPr lang="ru-RU" noProof="1" smtClean="0"/>
-              <a:t>19.01.2022</a:t>
+              <a:t>20.01.2022</a:t>
             </a:fld>
             <a:endParaRPr lang="ru-RU" noProof="1"/>
           </a:p>
@@ -2186,7 +2186,7 @@
             <a:pPr rtl="0"/>
             <a:fld id="{3911E82B-BB3D-4E5A-9BC8-44CA10BA022B}" type="datetime1">
               <a:rPr lang="ru-RU" noProof="1" smtClean="0"/>
-              <a:t>19.01.2022</a:t>
+              <a:t>20.01.2022</a:t>
             </a:fld>
             <a:endParaRPr lang="ru-RU" noProof="1"/>
           </a:p>
@@ -2363,7 +2363,7 @@
             <a:pPr rtl="0"/>
             <a:fld id="{2742FD06-4E52-401D-BD88-F19DD433F6A2}" type="datetime1">
               <a:rPr lang="ru-RU" noProof="1" smtClean="0"/>
-              <a:t>19.01.2022</a:t>
+              <a:t>20.01.2022</a:t>
             </a:fld>
             <a:endParaRPr lang="ru-RU" noProof="1"/>
           </a:p>
@@ -2530,7 +2530,7 @@
             <a:pPr rtl="0"/>
             <a:fld id="{D9C5850E-93E1-4695-852B-985B66EF3FBB}" type="datetime1">
               <a:rPr lang="ru-RU" noProof="1" smtClean="0"/>
-              <a:t>19.01.2022</a:t>
+              <a:t>20.01.2022</a:t>
             </a:fld>
             <a:endParaRPr lang="ru-RU" noProof="1"/>
           </a:p>
@@ -2804,7 +2804,7 @@
             <a:pPr rtl="0"/>
             <a:fld id="{A7559076-4A76-4C3A-A994-77B2BDD3F05B}" type="datetime1">
               <a:rPr lang="ru-RU" noProof="1" smtClean="0"/>
-              <a:t>19.01.2022</a:t>
+              <a:t>20.01.2022</a:t>
             </a:fld>
             <a:endParaRPr lang="ru-RU" noProof="1"/>
           </a:p>
@@ -4002,7 +4002,7 @@
             <a:pPr rtl="0"/>
             <a:fld id="{1F1CC32F-0266-4BFE-A3A6-D084C470CAE0}" type="datetime1">
               <a:rPr lang="ru-RU" noProof="1" smtClean="0"/>
-              <a:t>19.01.2022</a:t>
+              <a:t>20.01.2022</a:t>
             </a:fld>
             <a:endParaRPr lang="ru-RU" noProof="1"/>
           </a:p>
@@ -4388,7 +4388,7 @@
             <a:pPr rtl="0"/>
             <a:fld id="{E10EFD0F-6EED-4075-B7D2-7345242FE3AC}" type="datetime1">
               <a:rPr lang="ru-RU" noProof="1" smtClean="0"/>
-              <a:t>19.01.2022</a:t>
+              <a:t>20.01.2022</a:t>
             </a:fld>
             <a:endParaRPr lang="ru-RU" noProof="1"/>
           </a:p>
@@ -4509,7 +4509,7 @@
             <a:pPr rtl="0"/>
             <a:fld id="{FACA36C4-C2D9-45B2-8FDC-958E30E5B885}" type="datetime1">
               <a:rPr lang="ru-RU" noProof="1" smtClean="0"/>
-              <a:t>19.01.2022</a:t>
+              <a:t>20.01.2022</a:t>
             </a:fld>
             <a:endParaRPr lang="ru-RU" noProof="1"/>
           </a:p>
@@ -4602,7 +4602,7 @@
             <a:pPr rtl="0"/>
             <a:fld id="{2057413A-B44B-4073-BF98-ADE89A18B20C}" type="datetime1">
               <a:rPr lang="ru-RU" noProof="1" smtClean="0"/>
-              <a:t>19.01.2022</a:t>
+              <a:t>20.01.2022</a:t>
             </a:fld>
             <a:endParaRPr lang="ru-RU" noProof="1"/>
           </a:p>
@@ -5362,7 +5362,7 @@
             <a:pPr rtl="0"/>
             <a:fld id="{1C43500C-DCF2-4348-AC96-CB9EA2B9EEAE}" type="datetime1">
               <a:rPr lang="ru-RU" noProof="1" smtClean="0"/>
-              <a:t>19.01.2022</a:t>
+              <a:t>20.01.2022</a:t>
             </a:fld>
             <a:endParaRPr lang="ru-RU" noProof="1"/>
           </a:p>
@@ -6200,7 +6200,7 @@
             <a:pPr rtl="0"/>
             <a:fld id="{347CA653-D199-4A46-A89A-31725D97DCF4}" type="datetime1">
               <a:rPr lang="ru-RU" noProof="1" smtClean="0"/>
-              <a:t>19.01.2022</a:t>
+              <a:t>20.01.2022</a:t>
             </a:fld>
             <a:endParaRPr lang="ru-RU" noProof="1"/>
           </a:p>
@@ -6425,7 +6425,7 @@
             <a:fld id="{D38D1A89-C508-4E5F-9832-25927B926A5C}" type="datetime1">
               <a:rPr lang="ru-RU" noProof="1" smtClean="0"/>
               <a:pPr/>
-              <a:t>19.01.2022</a:t>
+              <a:t>20.01.2022</a:t>
             </a:fld>
             <a:endParaRPr lang="ru-RU" noProof="1"/>
           </a:p>
@@ -9736,8 +9736,8 @@
         </p:blipFill>
         <p:spPr>
           <a:xfrm>
-            <a:off x="6447791" y="4047391"/>
-            <a:ext cx="3974949" cy="2428224"/>
+            <a:off x="6758476" y="3912882"/>
+            <a:ext cx="4288754" cy="2562733"/>
           </a:xfrm>
           <a:prstGeom prst="roundRect">
             <a:avLst>
@@ -9792,8 +9792,8 @@
         </p:blipFill>
         <p:spPr>
           <a:xfrm>
-            <a:off x="1667314" y="4020232"/>
-            <a:ext cx="3974949" cy="2375220"/>
+            <a:off x="1251678" y="3912881"/>
+            <a:ext cx="4288754" cy="2562733"/>
           </a:xfrm>
           <a:prstGeom prst="roundRect">
             <a:avLst>
@@ -9848,19 +9848,25 @@
         </p:blipFill>
         <p:spPr>
           <a:xfrm>
-            <a:off x="8435266" y="2319354"/>
-            <a:ext cx="2611963" cy="1229009"/>
+            <a:off x="7787148" y="2163096"/>
+            <a:ext cx="2481788" cy="1218553"/>
           </a:xfrm>
           <a:prstGeom prst="rect">
             <a:avLst/>
           </a:prstGeom>
-          <a:ln>
-            <a:noFill/>
+          <a:ln w="38100" cap="sq">
+            <a:solidFill>
+              <a:srgbClr val="000000"/>
+            </a:solidFill>
+            <a:prstDash val="solid"/>
+            <a:miter lim="800000"/>
           </a:ln>
           <a:effectLst>
-            <a:innerShdw blurRad="114300">
-              <a:prstClr val="black"/>
-            </a:innerShdw>
+            <a:outerShdw blurRad="50800" dist="38100" dir="2700000" algn="tl" rotWithShape="0">
+              <a:srgbClr val="000000">
+                <a:alpha val="43000"/>
+              </a:srgbClr>
+            </a:outerShdw>
           </a:effectLst>
         </p:spPr>
       </p:pic>
@@ -9994,8 +10000,8 @@
         </p:blipFill>
         <p:spPr>
           <a:xfrm>
-            <a:off x="2067364" y="2120668"/>
-            <a:ext cx="3023754" cy="4342946"/>
+            <a:off x="2067364" y="2120667"/>
+            <a:ext cx="3023754" cy="4342947"/>
           </a:xfrm>
           <a:prstGeom prst="rect">
             <a:avLst/>
@@ -10074,8 +10080,8 @@
         </p:blipFill>
         <p:spPr>
           <a:xfrm>
-            <a:off x="6982334" y="4358151"/>
-            <a:ext cx="4443094" cy="2105463"/>
+            <a:off x="6860704" y="3916532"/>
+            <a:ext cx="4564724" cy="2452119"/>
           </a:xfrm>
           <a:prstGeom prst="rect">
             <a:avLst/>
@@ -10247,7 +10253,7 @@
         </p:nvCxnSpPr>
         <p:spPr>
           <a:xfrm>
-            <a:off x="6339078" y="3719947"/>
+            <a:off x="6339078" y="3543301"/>
             <a:ext cx="5400453" cy="0"/>
           </a:xfrm>
           <a:prstGeom prst="line">
@@ -10324,7 +10330,7 @@
             <a:pPr algn="ctr"/>
             <a:r>
               <a:rPr lang="ru-RU" dirty="0"/>
-              <a:t>       Пункт меню «настройки»                 </a:t>
+              <a:t>       Пункт меню настройки                 </a:t>
             </a:r>
           </a:p>
         </p:txBody>
@@ -10467,8 +10473,8 @@
         </p:blipFill>
         <p:spPr>
           <a:xfrm>
-            <a:off x="6845434" y="1951570"/>
-            <a:ext cx="3975264" cy="4217736"/>
+            <a:off x="6803923" y="1961287"/>
+            <a:ext cx="4626077" cy="4217736"/>
           </a:xfrm>
           <a:prstGeom prst="rect">
             <a:avLst/>
@@ -10754,8 +10760,8 @@
         </p:blipFill>
         <p:spPr>
           <a:xfrm>
-            <a:off x="1436365" y="4130414"/>
-            <a:ext cx="4904474" cy="2306858"/>
+            <a:off x="1251678" y="3726874"/>
+            <a:ext cx="5508307" cy="2590876"/>
           </a:xfrm>
           <a:prstGeom prst="roundRect">
             <a:avLst>
@@ -10810,7 +10816,7 @@
         </p:blipFill>
         <p:spPr>
           <a:xfrm>
-            <a:off x="8400620" y="4130414"/>
+            <a:off x="8400620" y="2257126"/>
             <a:ext cx="2539702" cy="1469748"/>
           </a:xfrm>
           <a:prstGeom prst="rect">
@@ -11907,6 +11913,23 @@
 </file>
 
 <file path=customXml/item1.xml><?xml version="1.0" encoding="utf-8"?>
+<p:properties xmlns:p="http://schemas.microsoft.com/office/2006/metadata/properties" xmlns:xsi="http://www.w3.org/2001/XMLSchema-instance" xmlns:pc="http://schemas.microsoft.com/office/infopath/2007/PartnerControls">
+  <documentManagement>
+    <MediaServiceKeyPoints xmlns="71af3243-3dd4-4a8d-8c0d-dd76da1f02a5" xsi:nil="true"/>
+  </documentManagement>
+</p:properties>
+</file>
+
+<file path=customXml/item2.xml><?xml version="1.0" encoding="utf-8"?>
+<?mso-contentType ?>
+<FormTemplates xmlns="http://schemas.microsoft.com/sharepoint/v3/contenttype/forms">
+  <Display>DocumentLibraryForm</Display>
+  <Edit>DocumentLibraryForm</Edit>
+  <New>DocumentLibraryForm</New>
+</FormTemplates>
+</file>
+
+<file path=customXml/item3.xml><?xml version="1.0" encoding="utf-8"?>
 <ct:contentTypeSchema xmlns:ct="http://schemas.microsoft.com/office/2006/metadata/contentType" xmlns:ma="http://schemas.microsoft.com/office/2006/metadata/properties/metaAttributes" ct:_="" ma:_="" ma:contentTypeName="Document" ma:contentTypeID="0x01010079F111ED35F8CC479449609E8A0923A6" ma:contentTypeVersion="11" ma:contentTypeDescription="Create a new document." ma:contentTypeScope="" ma:versionID="9677210f24a1be23c92c90fd886aa0aa">
   <xsd:schema xmlns:xsd="http://www.w3.org/2001/XMLSchema" xmlns:xs="http://www.w3.org/2001/XMLSchema" xmlns:p="http://schemas.microsoft.com/office/2006/metadata/properties" xmlns:ns2="71af3243-3dd4-4a8d-8c0d-dd76da1f02a5" xmlns:ns3="16c05727-aa75-4e4a-9b5f-8a80a1165891" targetNamespace="http://schemas.microsoft.com/office/2006/metadata/properties" ma:root="true" ma:fieldsID="60e05723c5c1908df1a1a4ebf11d344e" ns2:_="" ns3:_="">
     <xsd:import namespace="71af3243-3dd4-4a8d-8c0d-dd76da1f02a5"/>
@@ -12117,24 +12140,25 @@
 </ct:contentTypeSchema>
 </file>
 
-<file path=customXml/item2.xml><?xml version="1.0" encoding="utf-8"?>
-<?mso-contentType ?>
-<FormTemplates xmlns="http://schemas.microsoft.com/sharepoint/v3/contenttype/forms">
-  <Display>DocumentLibraryForm</Display>
-  <Edit>DocumentLibraryForm</Edit>
-  <New>DocumentLibraryForm</New>
-</FormTemplates>
+<file path=customXml/itemProps1.xml><?xml version="1.0" encoding="utf-8"?>
+<ds:datastoreItem xmlns:ds="http://schemas.openxmlformats.org/officeDocument/2006/customXml" ds:itemID="{055D5C12-9048-448D-A69C-F00736C0732E}">
+  <ds:schemaRefs>
+    <ds:schemaRef ds:uri="http://schemas.microsoft.com/office/2006/metadata/properties"/>
+    <ds:schemaRef ds:uri="http://schemas.microsoft.com/office/infopath/2007/PartnerControls"/>
+    <ds:schemaRef ds:uri="71af3243-3dd4-4a8d-8c0d-dd76da1f02a5"/>
+  </ds:schemaRefs>
+</ds:datastoreItem>
 </file>
 
-<file path=customXml/item3.xml><?xml version="1.0" encoding="utf-8"?>
-<p:properties xmlns:p="http://schemas.microsoft.com/office/2006/metadata/properties" xmlns:xsi="http://www.w3.org/2001/XMLSchema-instance" xmlns:pc="http://schemas.microsoft.com/office/infopath/2007/PartnerControls">
-  <documentManagement>
-    <MediaServiceKeyPoints xmlns="71af3243-3dd4-4a8d-8c0d-dd76da1f02a5" xsi:nil="true"/>
-  </documentManagement>
-</p:properties>
+<file path=customXml/itemProps2.xml><?xml version="1.0" encoding="utf-8"?>
+<ds:datastoreItem xmlns:ds="http://schemas.openxmlformats.org/officeDocument/2006/customXml" ds:itemID="{032C9D10-CA80-4BC9-9D59-B4B9486E9328}">
+  <ds:schemaRefs>
+    <ds:schemaRef ds:uri="http://schemas.microsoft.com/sharepoint/v3/contenttype/forms"/>
+  </ds:schemaRefs>
+</ds:datastoreItem>
 </file>
 
-<file path=customXml/itemProps1.xml><?xml version="1.0" encoding="utf-8"?>
+<file path=customXml/itemProps3.xml><?xml version="1.0" encoding="utf-8"?>
 <ds:datastoreItem xmlns:ds="http://schemas.openxmlformats.org/officeDocument/2006/customXml" ds:itemID="{DD0DBFED-7AB5-403D-9982-F81C20C3F5BA}">
   <ds:schemaRefs>
     <ds:schemaRef ds:uri="http://schemas.microsoft.com/office/2006/metadata/contentType"/>
@@ -12151,22 +12175,4 @@
     <ds:schemaRef ds:uri="http://schemas.microsoft.com/internal/obd"/>
   </ds:schemaRefs>
 </ds:datastoreItem>
-</file>
-
-<file path=customXml/itemProps2.xml><?xml version="1.0" encoding="utf-8"?>
-<ds:datastoreItem xmlns:ds="http://schemas.openxmlformats.org/officeDocument/2006/customXml" ds:itemID="{032C9D10-CA80-4BC9-9D59-B4B9486E9328}">
-  <ds:schemaRefs>
-    <ds:schemaRef ds:uri="http://schemas.microsoft.com/sharepoint/v3/contenttype/forms"/>
-  </ds:schemaRefs>
-</ds:datastoreItem>
-</file>
-
-<file path=customXml/itemProps3.xml><?xml version="1.0" encoding="utf-8"?>
-<ds:datastoreItem xmlns:ds="http://schemas.openxmlformats.org/officeDocument/2006/customXml" ds:itemID="{055D5C12-9048-448D-A69C-F00736C0732E}">
-  <ds:schemaRefs>
-    <ds:schemaRef ds:uri="http://schemas.microsoft.com/office/2006/metadata/properties"/>
-    <ds:schemaRef ds:uri="http://schemas.microsoft.com/office/infopath/2007/PartnerControls"/>
-    <ds:schemaRef ds:uri="71af3243-3dd4-4a8d-8c0d-dd76da1f02a5"/>
-  </ds:schemaRefs>
-</ds:datastoreItem>
 </file>
--- a/Docs/Racing.pptx
+++ b/Docs/Racing.pptx
@@ -11,7 +11,7 @@
     <p:handoutMasterId r:id="rId13"/>
   </p:handoutMasterIdLst>
   <p:sldIdLst>
-    <p:sldId id="267" r:id="rId5"/>
+    <p:sldId id="278" r:id="rId5"/>
     <p:sldId id="269" r:id="rId6"/>
     <p:sldId id="270" r:id="rId7"/>
     <p:sldId id="275" r:id="rId8"/>
@@ -652,103 +652,9 @@
 </p:notesMaster>
 </file>
 
-<file path=ppt/notesSlides/notesSlide1.xml><?xml version="1.0" encoding="utf-8"?>
-<p:notes xmlns:a="http://schemas.openxmlformats.org/drawingml/2006/main" xmlns:r="http://schemas.openxmlformats.org/officeDocument/2006/relationships" xmlns:p="http://schemas.openxmlformats.org/presentationml/2006/main">
-  <p:cSld>
-    <p:spTree>
-      <p:nvGrpSpPr>
-        <p:cNvPr id="1" name=""/>
-        <p:cNvGrpSpPr/>
-        <p:nvPr/>
-      </p:nvGrpSpPr>
-      <p:grpSpPr>
-        <a:xfrm>
-          <a:off x="0" y="0"/>
-          <a:ext cx="0" cy="0"/>
-          <a:chOff x="0" y="0"/>
-          <a:chExt cx="0" cy="0"/>
-        </a:xfrm>
-      </p:grpSpPr>
-      <p:sp>
-        <p:nvSpPr>
-          <p:cNvPr id="2" name="Образ слайда 1"/>
-          <p:cNvSpPr>
-            <a:spLocks noGrp="1" noRot="1" noChangeAspect="1"/>
-          </p:cNvSpPr>
-          <p:nvPr>
-            <p:ph type="sldImg"/>
-          </p:nvPr>
-        </p:nvSpPr>
-        <p:spPr/>
-      </p:sp>
-      <p:sp>
-        <p:nvSpPr>
-          <p:cNvPr id="3" name="Заметки 2"/>
-          <p:cNvSpPr>
-            <a:spLocks noGrp="1"/>
-          </p:cNvSpPr>
-          <p:nvPr>
-            <p:ph type="body" idx="1"/>
-          </p:nvPr>
-        </p:nvSpPr>
-        <p:spPr/>
-        <p:txBody>
-          <a:bodyPr rtlCol="0"/>
-          <a:lstStyle/>
-          <a:p>
-            <a:pPr rtl="0"/>
-            <a:endParaRPr lang="ru-RU" noProof="1"/>
-          </a:p>
-        </p:txBody>
-      </p:sp>
-      <p:sp>
-        <p:nvSpPr>
-          <p:cNvPr id="4" name="Номер слайда 3"/>
-          <p:cNvSpPr>
-            <a:spLocks noGrp="1"/>
-          </p:cNvSpPr>
-          <p:nvPr>
-            <p:ph type="sldNum" sz="quarter" idx="10"/>
-          </p:nvPr>
-        </p:nvSpPr>
-        <p:spPr/>
-        <p:txBody>
-          <a:bodyPr rtlCol="0"/>
-          <a:lstStyle/>
-          <a:p>
-            <a:pPr rtl="0"/>
-            <a:fld id="{62B46F2B-1084-40BA-9F0A-B1F6847335C5}" type="slidenum">
-              <a:rPr lang="ru-RU" noProof="1" smtClean="0"/>
-              <a:t>1</a:t>
-            </a:fld>
-            <a:endParaRPr lang="ru-RU" noProof="1"/>
-          </a:p>
-        </p:txBody>
-      </p:sp>
-    </p:spTree>
-    <p:extLst>
-      <p:ext uri="{BB962C8B-B14F-4D97-AF65-F5344CB8AC3E}">
-        <p14:creationId xmlns:p14="http://schemas.microsoft.com/office/powerpoint/2010/main" val="3378259864"/>
-      </p:ext>
-    </p:extLst>
-  </p:cSld>
-  <p:clrMapOvr>
-    <a:masterClrMapping/>
-  </p:clrMapOvr>
-</p:notes>
-</file>
-
 <file path=ppt/slideLayouts/slideLayout1.xml><?xml version="1.0" encoding="utf-8"?>
-<p:sldLayout xmlns:a="http://schemas.openxmlformats.org/drawingml/2006/main" xmlns:r="http://schemas.openxmlformats.org/officeDocument/2006/relationships" xmlns:p="http://schemas.openxmlformats.org/presentationml/2006/main" showMasterSp="0" type="title" preserve="1">
+<p:sldLayout xmlns:a="http://schemas.openxmlformats.org/drawingml/2006/main" xmlns:r="http://schemas.openxmlformats.org/officeDocument/2006/relationships" xmlns:p="http://schemas.openxmlformats.org/presentationml/2006/main" type="title" preserve="1">
   <p:cSld name="Титульный слайд">
-    <p:bg>
-      <p:bgPr>
-        <a:solidFill>
-          <a:schemeClr val="accent1"/>
-        </a:solidFill>
-        <a:effectLst/>
-      </p:bgPr>
-    </p:bg>
     <p:spTree>
       <p:nvGrpSpPr>
         <p:cNvPr id="1" name=""/>
@@ -2589,16 +2495,8 @@
 </file>
 
 <file path=ppt/slideLayouts/slideLayout3.xml><?xml version="1.0" encoding="utf-8"?>
-<p:sldLayout xmlns:a="http://schemas.openxmlformats.org/drawingml/2006/main" xmlns:r="http://schemas.openxmlformats.org/officeDocument/2006/relationships" xmlns:p="http://schemas.openxmlformats.org/presentationml/2006/main" showMasterSp="0" type="secHead" preserve="1">
+<p:sldLayout xmlns:a="http://schemas.openxmlformats.org/drawingml/2006/main" xmlns:r="http://schemas.openxmlformats.org/officeDocument/2006/relationships" xmlns:p="http://schemas.openxmlformats.org/presentationml/2006/main" type="secHead" preserve="1">
   <p:cSld name="Заголовок раздела">
-    <p:bg>
-      <p:bgPr>
-        <a:solidFill>
-          <a:schemeClr val="bg2"/>
-        </a:solidFill>
-        <a:effectLst/>
-      </p:bgPr>
-    </p:bg>
     <p:spTree>
       <p:nvGrpSpPr>
         <p:cNvPr id="1" name=""/>
@@ -4661,7 +4559,7 @@
 </file>
 
 <file path=ppt/slideLayouts/slideLayout8.xml><?xml version="1.0" encoding="utf-8"?>
-<p:sldLayout xmlns:a="http://schemas.openxmlformats.org/drawingml/2006/main" xmlns:r="http://schemas.openxmlformats.org/officeDocument/2006/relationships" xmlns:p="http://schemas.openxmlformats.org/presentationml/2006/main" showMasterSp="0" type="objTx" preserve="1">
+<p:sldLayout xmlns:a="http://schemas.openxmlformats.org/drawingml/2006/main" xmlns:r="http://schemas.openxmlformats.org/officeDocument/2006/relationships" xmlns:p="http://schemas.openxmlformats.org/presentationml/2006/main" type="objTx" preserve="1">
   <p:cSld name="Объект с подписью">
     <p:spTree>
       <p:nvGrpSpPr>
@@ -5480,7 +5378,7 @@
 </file>
 
 <file path=ppt/slideLayouts/slideLayout9.xml><?xml version="1.0" encoding="utf-8"?>
-<p:sldLayout xmlns:a="http://schemas.openxmlformats.org/drawingml/2006/main" xmlns:r="http://schemas.openxmlformats.org/officeDocument/2006/relationships" xmlns:p="http://schemas.openxmlformats.org/presentationml/2006/main" showMasterSp="0" type="picTx" preserve="1">
+<p:sldLayout xmlns:a="http://schemas.openxmlformats.org/drawingml/2006/main" xmlns:r="http://schemas.openxmlformats.org/officeDocument/2006/relationships" xmlns:p="http://schemas.openxmlformats.org/presentationml/2006/main" type="picTx" preserve="1">
   <p:cSld name="Рисунок с подписью">
     <p:spTree>
       <p:nvGrpSpPr>
@@ -6274,7 +6172,7 @@
     <p:bg>
       <p:bgPr>
         <a:solidFill>
-          <a:schemeClr val="bg2"/>
+          <a:srgbClr val="F3F3F2"/>
         </a:solidFill>
         <a:effectLst/>
       </p:bgPr>
@@ -7409,14 +7307,6 @@
 <file path=ppt/slides/slide1.xml><?xml version="1.0" encoding="utf-8"?>
 <p:sld xmlns:a="http://schemas.openxmlformats.org/drawingml/2006/main" xmlns:r="http://schemas.openxmlformats.org/officeDocument/2006/relationships" xmlns:p="http://schemas.openxmlformats.org/presentationml/2006/main">
   <p:cSld>
-    <p:bg>
-      <p:bgPr>
-        <a:solidFill>
-          <a:schemeClr val="accent1"/>
-        </a:solidFill>
-        <a:effectLst/>
-      </p:bgPr>
-    </p:bg>
     <p:spTree>
       <p:nvGrpSpPr>
         <p:cNvPr id="1" name=""/>
@@ -7431,1387 +7321,12 @@
           <a:chExt cx="0" cy="0"/>
         </a:xfrm>
       </p:grpSpPr>
-      <p:sp>
-        <p:nvSpPr>
-          <p:cNvPr id="17" name="Прямоугольник 16">
+      <p:pic>
+        <p:nvPicPr>
+          <p:cNvPr id="3" name="Рисунок 2">
             <a:extLst>
               <a:ext uri="{FF2B5EF4-FFF2-40B4-BE49-F238E27FC236}">
-                <a16:creationId xmlns:a16="http://schemas.microsoft.com/office/drawing/2014/main" id="{415DEDD7-7B31-4EF1-B7C7-5AEE3208CC1D}"/>
-              </a:ext>
-              <a:ext uri="{C183D7F6-B498-43B3-948B-1728B52AA6E4}">
-                <adec:decorative xmlns:adec="http://schemas.microsoft.com/office/drawing/2017/decorative" val="1"/>
-              </a:ext>
-            </a:extLst>
-          </p:cNvPr>
-          <p:cNvSpPr>
-            <a:spLocks noGrp="1" noRot="1" noChangeAspect="1" noMove="1" noResize="1" noEditPoints="1" noAdjustHandles="1" noChangeArrowheads="1" noChangeShapeType="1" noTextEdit="1"/>
-          </p:cNvSpPr>
-          <p:nvPr>
-            <p:extLst>
-              <p:ext uri="{386F3935-93C4-4BCD-93E2-E3B085C9AB24}">
-                <p16:designElem xmlns:p16="http://schemas.microsoft.com/office/powerpoint/2015/main" val="1"/>
-              </p:ext>
-            </p:extLst>
-          </p:nvPr>
-        </p:nvSpPr>
-        <p:spPr bwMode="ltGray">
-          <a:xfrm>
-            <a:off x="1" y="0"/>
-            <a:ext cx="12191996" cy="6858000"/>
-          </a:xfrm>
-          <a:prstGeom prst="rect">
-            <a:avLst/>
-          </a:prstGeom>
-          <a:solidFill>
-            <a:schemeClr val="accent1"/>
-          </a:solidFill>
-          <a:ln>
-            <a:noFill/>
-          </a:ln>
-        </p:spPr>
-        <p:style>
-          <a:lnRef idx="2">
-            <a:schemeClr val="accent1">
-              <a:shade val="50000"/>
-            </a:schemeClr>
-          </a:lnRef>
-          <a:fillRef idx="1">
-            <a:schemeClr val="accent1"/>
-          </a:fillRef>
-          <a:effectRef idx="0">
-            <a:schemeClr val="accent1"/>
-          </a:effectRef>
-          <a:fontRef idx="minor">
-            <a:schemeClr val="lt1"/>
-          </a:fontRef>
-        </p:style>
-        <p:txBody>
-          <a:bodyPr rtlCol="0" anchor="ctr"/>
-          <a:lstStyle/>
-          <a:p>
-            <a:pPr algn="ctr" rtl="0"/>
-            <a:endParaRPr lang="ru-RU" noProof="1">
-              <a:latin typeface="Calibri" panose="020F0502020204030204" pitchFamily="34" charset="0"/>
-            </a:endParaRPr>
-          </a:p>
-        </p:txBody>
-      </p:sp>
-      <p:sp>
-        <p:nvSpPr>
-          <p:cNvPr id="2" name="Заголовок 1">
-            <a:extLst>
-              <a:ext uri="{FF2B5EF4-FFF2-40B4-BE49-F238E27FC236}">
-                <a16:creationId xmlns:a16="http://schemas.microsoft.com/office/drawing/2014/main" id="{C36A1A43-B750-4259-AA02-68777493B108}"/>
-              </a:ext>
-            </a:extLst>
-          </p:cNvPr>
-          <p:cNvSpPr>
-            <a:spLocks noGrp="1"/>
-          </p:cNvSpPr>
-          <p:nvPr>
-            <p:ph type="ctrTitle"/>
-          </p:nvPr>
-        </p:nvSpPr>
-        <p:spPr>
-          <a:xfrm>
-            <a:off x="699716" y="329938"/>
-            <a:ext cx="5282519" cy="5316717"/>
-          </a:xfrm>
-        </p:spPr>
-        <p:txBody>
-          <a:bodyPr rtlCol="0">
-            <a:normAutofit/>
-          </a:bodyPr>
-          <a:lstStyle/>
-          <a:p>
-            <a:r>
-              <a:rPr lang="en-US" sz="7200" noProof="1"/>
-              <a:t>RAcing</a:t>
-            </a:r>
-            <a:endParaRPr lang="ru-RU" sz="7200" noProof="1"/>
-          </a:p>
-        </p:txBody>
-      </p:sp>
-      <p:sp>
-        <p:nvSpPr>
-          <p:cNvPr id="3" name="Подзаголовок 2">
-            <a:extLst>
-              <a:ext uri="{FF2B5EF4-FFF2-40B4-BE49-F238E27FC236}">
-                <a16:creationId xmlns:a16="http://schemas.microsoft.com/office/drawing/2014/main" id="{01F61DBF-2C3F-4F06-BAE0-5C6A7317D5C9}"/>
-              </a:ext>
-            </a:extLst>
-          </p:cNvPr>
-          <p:cNvSpPr>
-            <a:spLocks noGrp="1"/>
-          </p:cNvSpPr>
-          <p:nvPr>
-            <p:ph type="subTitle" idx="1"/>
-          </p:nvPr>
-        </p:nvSpPr>
-        <p:spPr>
-          <a:xfrm>
-            <a:off x="143307" y="6169307"/>
-            <a:ext cx="5282520" cy="490836"/>
-          </a:xfrm>
-        </p:spPr>
-        <p:txBody>
-          <a:bodyPr rtlCol="0">
-            <a:normAutofit lnSpcReduction="10000"/>
-          </a:bodyPr>
-          <a:lstStyle/>
-          <a:p>
-            <a:pPr algn="l" rtl="0"/>
-            <a:r>
-              <a:rPr lang="ru-RU" sz="1100" noProof="1">
-                <a:solidFill>
-                  <a:schemeClr val="tx2">
-                    <a:lumMod val="90000"/>
-                    <a:lumOff val="10000"/>
-                  </a:schemeClr>
-                </a:solidFill>
-              </a:rPr>
-              <a:t>Проект выполнили</a:t>
-            </a:r>
-            <a:r>
-              <a:rPr lang="en-US" sz="1100" noProof="1">
-                <a:solidFill>
-                  <a:schemeClr val="tx2">
-                    <a:lumMod val="90000"/>
-                    <a:lumOff val="10000"/>
-                  </a:schemeClr>
-                </a:solidFill>
-              </a:rPr>
-              <a:t>:</a:t>
-            </a:r>
-          </a:p>
-          <a:p>
-            <a:pPr algn="l" rtl="0"/>
-            <a:r>
-              <a:rPr lang="ru-RU" sz="1100" noProof="1">
-                <a:solidFill>
-                  <a:schemeClr val="tx2">
-                    <a:lumMod val="90000"/>
-                    <a:lumOff val="10000"/>
-                  </a:schemeClr>
-                </a:solidFill>
-              </a:rPr>
-              <a:t>Иванов Герман, Логинова евфросиния</a:t>
-            </a:r>
-          </a:p>
-        </p:txBody>
-      </p:sp>
-      <p:sp>
-        <p:nvSpPr>
-          <p:cNvPr id="19" name="Полилиния: Фигура 18">
-            <a:extLst>
-              <a:ext uri="{FF2B5EF4-FFF2-40B4-BE49-F238E27FC236}">
-                <a16:creationId xmlns:a16="http://schemas.microsoft.com/office/drawing/2014/main" id="{3242CC7A-3D6E-47A4-B9D1-860978459846}"/>
-              </a:ext>
-              <a:ext uri="{C183D7F6-B498-43B3-948B-1728B52AA6E4}">
-                <adec:decorative xmlns:adec="http://schemas.microsoft.com/office/drawing/2017/decorative" val="1"/>
-              </a:ext>
-            </a:extLst>
-          </p:cNvPr>
-          <p:cNvSpPr>
-            <a:spLocks noGrp="1" noRot="1" noChangeAspect="1" noMove="1" noResize="1" noEditPoints="1" noAdjustHandles="1" noChangeArrowheads="1" noChangeShapeType="1" noTextEdit="1"/>
-          </p:cNvSpPr>
-          <p:nvPr>
-            <p:extLst>
-              <p:ext uri="{386F3935-93C4-4BCD-93E2-E3B085C9AB24}">
-                <p16:designElem xmlns:p16="http://schemas.microsoft.com/office/powerpoint/2015/main" val="1"/>
-              </p:ext>
-            </p:extLst>
-          </p:nvPr>
-        </p:nvSpPr>
-        <p:spPr>
-          <a:xfrm>
-            <a:off x="6766174" y="0"/>
-            <a:ext cx="5282519" cy="6858000"/>
-          </a:xfrm>
-          <a:custGeom>
-            <a:avLst/>
-            <a:gdLst>
-              <a:gd name="connsiteX0" fmla="*/ 189795 w 5282519"/>
-              <a:gd name="connsiteY0" fmla="*/ 0 h 6858000"/>
-              <a:gd name="connsiteX1" fmla="*/ 5282519 w 5282519"/>
-              <a:gd name="connsiteY1" fmla="*/ 0 h 6858000"/>
-              <a:gd name="connsiteX2" fmla="*/ 5282519 w 5282519"/>
-              <a:gd name="connsiteY2" fmla="*/ 6858000 h 6858000"/>
-              <a:gd name="connsiteX3" fmla="*/ 189795 w 5282519"/>
-              <a:gd name="connsiteY3" fmla="*/ 6858000 h 6858000"/>
-              <a:gd name="connsiteX4" fmla="*/ 184756 w 5282519"/>
-              <a:gd name="connsiteY4" fmla="*/ 6791325 h 6858000"/>
-              <a:gd name="connsiteX5" fmla="*/ 176358 w 5282519"/>
-              <a:gd name="connsiteY5" fmla="*/ 6735762 h 6858000"/>
-              <a:gd name="connsiteX6" fmla="*/ 166281 w 5282519"/>
-              <a:gd name="connsiteY6" fmla="*/ 6683375 h 6858000"/>
-              <a:gd name="connsiteX7" fmla="*/ 149485 w 5282519"/>
-              <a:gd name="connsiteY7" fmla="*/ 6640512 h 6858000"/>
-              <a:gd name="connsiteX8" fmla="*/ 132689 w 5282519"/>
-              <a:gd name="connsiteY8" fmla="*/ 6597650 h 6858000"/>
-              <a:gd name="connsiteX9" fmla="*/ 112534 w 5282519"/>
-              <a:gd name="connsiteY9" fmla="*/ 6561137 h 6858000"/>
-              <a:gd name="connsiteX10" fmla="*/ 92379 w 5282519"/>
-              <a:gd name="connsiteY10" fmla="*/ 6523037 h 6858000"/>
-              <a:gd name="connsiteX11" fmla="*/ 73903 w 5282519"/>
-              <a:gd name="connsiteY11" fmla="*/ 6488112 h 6858000"/>
-              <a:gd name="connsiteX12" fmla="*/ 55427 w 5282519"/>
-              <a:gd name="connsiteY12" fmla="*/ 6448425 h 6858000"/>
-              <a:gd name="connsiteX13" fmla="*/ 38632 w 5282519"/>
-              <a:gd name="connsiteY13" fmla="*/ 6407150 h 6858000"/>
-              <a:gd name="connsiteX14" fmla="*/ 23515 w 5282519"/>
-              <a:gd name="connsiteY14" fmla="*/ 6361112 h 6858000"/>
-              <a:gd name="connsiteX15" fmla="*/ 11758 w 5282519"/>
-              <a:gd name="connsiteY15" fmla="*/ 6311900 h 6858000"/>
-              <a:gd name="connsiteX16" fmla="*/ 3359 w 5282519"/>
-              <a:gd name="connsiteY16" fmla="*/ 6251575 h 6858000"/>
-              <a:gd name="connsiteX17" fmla="*/ 0 w 5282519"/>
-              <a:gd name="connsiteY17" fmla="*/ 6183312 h 6858000"/>
-              <a:gd name="connsiteX18" fmla="*/ 3359 w 5282519"/>
-              <a:gd name="connsiteY18" fmla="*/ 6113462 h 6858000"/>
-              <a:gd name="connsiteX19" fmla="*/ 11758 w 5282519"/>
-              <a:gd name="connsiteY19" fmla="*/ 6056312 h 6858000"/>
-              <a:gd name="connsiteX20" fmla="*/ 23515 w 5282519"/>
-              <a:gd name="connsiteY20" fmla="*/ 6003925 h 6858000"/>
-              <a:gd name="connsiteX21" fmla="*/ 38632 w 5282519"/>
-              <a:gd name="connsiteY21" fmla="*/ 5956300 h 6858000"/>
-              <a:gd name="connsiteX22" fmla="*/ 55427 w 5282519"/>
-              <a:gd name="connsiteY22" fmla="*/ 5915025 h 6858000"/>
-              <a:gd name="connsiteX23" fmla="*/ 75583 w 5282519"/>
-              <a:gd name="connsiteY23" fmla="*/ 5876925 h 6858000"/>
-              <a:gd name="connsiteX24" fmla="*/ 95738 w 5282519"/>
-              <a:gd name="connsiteY24" fmla="*/ 5840412 h 6858000"/>
-              <a:gd name="connsiteX25" fmla="*/ 115893 w 5282519"/>
-              <a:gd name="connsiteY25" fmla="*/ 5802312 h 6858000"/>
-              <a:gd name="connsiteX26" fmla="*/ 134368 w 5282519"/>
-              <a:gd name="connsiteY26" fmla="*/ 5762625 h 6858000"/>
-              <a:gd name="connsiteX27" fmla="*/ 152844 w 5282519"/>
-              <a:gd name="connsiteY27" fmla="*/ 5721350 h 6858000"/>
-              <a:gd name="connsiteX28" fmla="*/ 167960 w 5282519"/>
-              <a:gd name="connsiteY28" fmla="*/ 5675312 h 6858000"/>
-              <a:gd name="connsiteX29" fmla="*/ 178038 w 5282519"/>
-              <a:gd name="connsiteY29" fmla="*/ 5622925 h 6858000"/>
-              <a:gd name="connsiteX30" fmla="*/ 188115 w 5282519"/>
-              <a:gd name="connsiteY30" fmla="*/ 5562600 h 6858000"/>
-              <a:gd name="connsiteX31" fmla="*/ 189795 w 5282519"/>
-              <a:gd name="connsiteY31" fmla="*/ 5494337 h 6858000"/>
-              <a:gd name="connsiteX32" fmla="*/ 188115 w 5282519"/>
-              <a:gd name="connsiteY32" fmla="*/ 5426075 h 6858000"/>
-              <a:gd name="connsiteX33" fmla="*/ 178038 w 5282519"/>
-              <a:gd name="connsiteY33" fmla="*/ 5365750 h 6858000"/>
-              <a:gd name="connsiteX34" fmla="*/ 167960 w 5282519"/>
-              <a:gd name="connsiteY34" fmla="*/ 5313362 h 6858000"/>
-              <a:gd name="connsiteX35" fmla="*/ 152844 w 5282519"/>
-              <a:gd name="connsiteY35" fmla="*/ 5268912 h 6858000"/>
-              <a:gd name="connsiteX36" fmla="*/ 134368 w 5282519"/>
-              <a:gd name="connsiteY36" fmla="*/ 5226050 h 6858000"/>
-              <a:gd name="connsiteX37" fmla="*/ 115893 w 5282519"/>
-              <a:gd name="connsiteY37" fmla="*/ 5186362 h 6858000"/>
-              <a:gd name="connsiteX38" fmla="*/ 95738 w 5282519"/>
-              <a:gd name="connsiteY38" fmla="*/ 5149850 h 6858000"/>
-              <a:gd name="connsiteX39" fmla="*/ 75583 w 5282519"/>
-              <a:gd name="connsiteY39" fmla="*/ 5114925 h 6858000"/>
-              <a:gd name="connsiteX40" fmla="*/ 55427 w 5282519"/>
-              <a:gd name="connsiteY40" fmla="*/ 5075237 h 6858000"/>
-              <a:gd name="connsiteX41" fmla="*/ 38632 w 5282519"/>
-              <a:gd name="connsiteY41" fmla="*/ 5033962 h 6858000"/>
-              <a:gd name="connsiteX42" fmla="*/ 23515 w 5282519"/>
-              <a:gd name="connsiteY42" fmla="*/ 4987925 h 6858000"/>
-              <a:gd name="connsiteX43" fmla="*/ 11758 w 5282519"/>
-              <a:gd name="connsiteY43" fmla="*/ 4935537 h 6858000"/>
-              <a:gd name="connsiteX44" fmla="*/ 3359 w 5282519"/>
-              <a:gd name="connsiteY44" fmla="*/ 4875212 h 6858000"/>
-              <a:gd name="connsiteX45" fmla="*/ 0 w 5282519"/>
-              <a:gd name="connsiteY45" fmla="*/ 4806950 h 6858000"/>
-              <a:gd name="connsiteX46" fmla="*/ 3359 w 5282519"/>
-              <a:gd name="connsiteY46" fmla="*/ 4738687 h 6858000"/>
-              <a:gd name="connsiteX47" fmla="*/ 11758 w 5282519"/>
-              <a:gd name="connsiteY47" fmla="*/ 4678362 h 6858000"/>
-              <a:gd name="connsiteX48" fmla="*/ 23515 w 5282519"/>
-              <a:gd name="connsiteY48" fmla="*/ 4625975 h 6858000"/>
-              <a:gd name="connsiteX49" fmla="*/ 38632 w 5282519"/>
-              <a:gd name="connsiteY49" fmla="*/ 4579937 h 6858000"/>
-              <a:gd name="connsiteX50" fmla="*/ 55427 w 5282519"/>
-              <a:gd name="connsiteY50" fmla="*/ 4537075 h 6858000"/>
-              <a:gd name="connsiteX51" fmla="*/ 75583 w 5282519"/>
-              <a:gd name="connsiteY51" fmla="*/ 4498975 h 6858000"/>
-              <a:gd name="connsiteX52" fmla="*/ 115893 w 5282519"/>
-              <a:gd name="connsiteY52" fmla="*/ 4424362 h 6858000"/>
-              <a:gd name="connsiteX53" fmla="*/ 134368 w 5282519"/>
-              <a:gd name="connsiteY53" fmla="*/ 4386262 h 6858000"/>
-              <a:gd name="connsiteX54" fmla="*/ 152844 w 5282519"/>
-              <a:gd name="connsiteY54" fmla="*/ 4343400 h 6858000"/>
-              <a:gd name="connsiteX55" fmla="*/ 167960 w 5282519"/>
-              <a:gd name="connsiteY55" fmla="*/ 4297362 h 6858000"/>
-              <a:gd name="connsiteX56" fmla="*/ 178038 w 5282519"/>
-              <a:gd name="connsiteY56" fmla="*/ 4244975 h 6858000"/>
-              <a:gd name="connsiteX57" fmla="*/ 188115 w 5282519"/>
-              <a:gd name="connsiteY57" fmla="*/ 4186237 h 6858000"/>
-              <a:gd name="connsiteX58" fmla="*/ 189795 w 5282519"/>
-              <a:gd name="connsiteY58" fmla="*/ 4116387 h 6858000"/>
-              <a:gd name="connsiteX59" fmla="*/ 188115 w 5282519"/>
-              <a:gd name="connsiteY59" fmla="*/ 4048125 h 6858000"/>
-              <a:gd name="connsiteX60" fmla="*/ 178038 w 5282519"/>
-              <a:gd name="connsiteY60" fmla="*/ 3987800 h 6858000"/>
-              <a:gd name="connsiteX61" fmla="*/ 167960 w 5282519"/>
-              <a:gd name="connsiteY61" fmla="*/ 3935412 h 6858000"/>
-              <a:gd name="connsiteX62" fmla="*/ 152844 w 5282519"/>
-              <a:gd name="connsiteY62" fmla="*/ 3890962 h 6858000"/>
-              <a:gd name="connsiteX63" fmla="*/ 134368 w 5282519"/>
-              <a:gd name="connsiteY63" fmla="*/ 3848100 h 6858000"/>
-              <a:gd name="connsiteX64" fmla="*/ 115893 w 5282519"/>
-              <a:gd name="connsiteY64" fmla="*/ 3811587 h 6858000"/>
-              <a:gd name="connsiteX65" fmla="*/ 75583 w 5282519"/>
-              <a:gd name="connsiteY65" fmla="*/ 3736975 h 6858000"/>
-              <a:gd name="connsiteX66" fmla="*/ 55427 w 5282519"/>
-              <a:gd name="connsiteY66" fmla="*/ 3697287 h 6858000"/>
-              <a:gd name="connsiteX67" fmla="*/ 38632 w 5282519"/>
-              <a:gd name="connsiteY67" fmla="*/ 3656012 h 6858000"/>
-              <a:gd name="connsiteX68" fmla="*/ 23515 w 5282519"/>
-              <a:gd name="connsiteY68" fmla="*/ 3609975 h 6858000"/>
-              <a:gd name="connsiteX69" fmla="*/ 11758 w 5282519"/>
-              <a:gd name="connsiteY69" fmla="*/ 3557587 h 6858000"/>
-              <a:gd name="connsiteX70" fmla="*/ 3359 w 5282519"/>
-              <a:gd name="connsiteY70" fmla="*/ 3497262 h 6858000"/>
-              <a:gd name="connsiteX71" fmla="*/ 0 w 5282519"/>
-              <a:gd name="connsiteY71" fmla="*/ 3427412 h 6858000"/>
-              <a:gd name="connsiteX72" fmla="*/ 3359 w 5282519"/>
-              <a:gd name="connsiteY72" fmla="*/ 3360737 h 6858000"/>
-              <a:gd name="connsiteX73" fmla="*/ 11758 w 5282519"/>
-              <a:gd name="connsiteY73" fmla="*/ 3300412 h 6858000"/>
-              <a:gd name="connsiteX74" fmla="*/ 23515 w 5282519"/>
-              <a:gd name="connsiteY74" fmla="*/ 3248025 h 6858000"/>
-              <a:gd name="connsiteX75" fmla="*/ 38632 w 5282519"/>
-              <a:gd name="connsiteY75" fmla="*/ 3201987 h 6858000"/>
-              <a:gd name="connsiteX76" fmla="*/ 55427 w 5282519"/>
-              <a:gd name="connsiteY76" fmla="*/ 3160712 h 6858000"/>
-              <a:gd name="connsiteX77" fmla="*/ 75583 w 5282519"/>
-              <a:gd name="connsiteY77" fmla="*/ 3121025 h 6858000"/>
-              <a:gd name="connsiteX78" fmla="*/ 95738 w 5282519"/>
-              <a:gd name="connsiteY78" fmla="*/ 3084512 h 6858000"/>
-              <a:gd name="connsiteX79" fmla="*/ 115893 w 5282519"/>
-              <a:gd name="connsiteY79" fmla="*/ 3046412 h 6858000"/>
-              <a:gd name="connsiteX80" fmla="*/ 134368 w 5282519"/>
-              <a:gd name="connsiteY80" fmla="*/ 3009900 h 6858000"/>
-              <a:gd name="connsiteX81" fmla="*/ 152844 w 5282519"/>
-              <a:gd name="connsiteY81" fmla="*/ 2967037 h 6858000"/>
-              <a:gd name="connsiteX82" fmla="*/ 167960 w 5282519"/>
-              <a:gd name="connsiteY82" fmla="*/ 2922587 h 6858000"/>
-              <a:gd name="connsiteX83" fmla="*/ 178038 w 5282519"/>
-              <a:gd name="connsiteY83" fmla="*/ 2868612 h 6858000"/>
-              <a:gd name="connsiteX84" fmla="*/ 188115 w 5282519"/>
-              <a:gd name="connsiteY84" fmla="*/ 2809875 h 6858000"/>
-              <a:gd name="connsiteX85" fmla="*/ 189795 w 5282519"/>
-              <a:gd name="connsiteY85" fmla="*/ 2741612 h 6858000"/>
-              <a:gd name="connsiteX86" fmla="*/ 188115 w 5282519"/>
-              <a:gd name="connsiteY86" fmla="*/ 2671762 h 6858000"/>
-              <a:gd name="connsiteX87" fmla="*/ 178038 w 5282519"/>
-              <a:gd name="connsiteY87" fmla="*/ 2613025 h 6858000"/>
-              <a:gd name="connsiteX88" fmla="*/ 167960 w 5282519"/>
-              <a:gd name="connsiteY88" fmla="*/ 2560637 h 6858000"/>
-              <a:gd name="connsiteX89" fmla="*/ 152844 w 5282519"/>
-              <a:gd name="connsiteY89" fmla="*/ 2513012 h 6858000"/>
-              <a:gd name="connsiteX90" fmla="*/ 134368 w 5282519"/>
-              <a:gd name="connsiteY90" fmla="*/ 2471737 h 6858000"/>
-              <a:gd name="connsiteX91" fmla="*/ 115893 w 5282519"/>
-              <a:gd name="connsiteY91" fmla="*/ 2433637 h 6858000"/>
-              <a:gd name="connsiteX92" fmla="*/ 95738 w 5282519"/>
-              <a:gd name="connsiteY92" fmla="*/ 2395537 h 6858000"/>
-              <a:gd name="connsiteX93" fmla="*/ 75583 w 5282519"/>
-              <a:gd name="connsiteY93" fmla="*/ 2359025 h 6858000"/>
-              <a:gd name="connsiteX94" fmla="*/ 55427 w 5282519"/>
-              <a:gd name="connsiteY94" fmla="*/ 2319337 h 6858000"/>
-              <a:gd name="connsiteX95" fmla="*/ 38632 w 5282519"/>
-              <a:gd name="connsiteY95" fmla="*/ 2278062 h 6858000"/>
-              <a:gd name="connsiteX96" fmla="*/ 23515 w 5282519"/>
-              <a:gd name="connsiteY96" fmla="*/ 2232025 h 6858000"/>
-              <a:gd name="connsiteX97" fmla="*/ 11758 w 5282519"/>
-              <a:gd name="connsiteY97" fmla="*/ 2179637 h 6858000"/>
-              <a:gd name="connsiteX98" fmla="*/ 3359 w 5282519"/>
-              <a:gd name="connsiteY98" fmla="*/ 2119312 h 6858000"/>
-              <a:gd name="connsiteX99" fmla="*/ 0 w 5282519"/>
-              <a:gd name="connsiteY99" fmla="*/ 2051050 h 6858000"/>
-              <a:gd name="connsiteX100" fmla="*/ 3359 w 5282519"/>
-              <a:gd name="connsiteY100" fmla="*/ 1982787 h 6858000"/>
-              <a:gd name="connsiteX101" fmla="*/ 11758 w 5282519"/>
-              <a:gd name="connsiteY101" fmla="*/ 1922462 h 6858000"/>
-              <a:gd name="connsiteX102" fmla="*/ 23515 w 5282519"/>
-              <a:gd name="connsiteY102" fmla="*/ 1870075 h 6858000"/>
-              <a:gd name="connsiteX103" fmla="*/ 38632 w 5282519"/>
-              <a:gd name="connsiteY103" fmla="*/ 1824037 h 6858000"/>
-              <a:gd name="connsiteX104" fmla="*/ 55427 w 5282519"/>
-              <a:gd name="connsiteY104" fmla="*/ 1782762 h 6858000"/>
-              <a:gd name="connsiteX105" fmla="*/ 75583 w 5282519"/>
-              <a:gd name="connsiteY105" fmla="*/ 1743075 h 6858000"/>
-              <a:gd name="connsiteX106" fmla="*/ 95738 w 5282519"/>
-              <a:gd name="connsiteY106" fmla="*/ 1708150 h 6858000"/>
-              <a:gd name="connsiteX107" fmla="*/ 115893 w 5282519"/>
-              <a:gd name="connsiteY107" fmla="*/ 1671637 h 6858000"/>
-              <a:gd name="connsiteX108" fmla="*/ 134368 w 5282519"/>
-              <a:gd name="connsiteY108" fmla="*/ 1631950 h 6858000"/>
-              <a:gd name="connsiteX109" fmla="*/ 152844 w 5282519"/>
-              <a:gd name="connsiteY109" fmla="*/ 1589087 h 6858000"/>
-              <a:gd name="connsiteX110" fmla="*/ 167960 w 5282519"/>
-              <a:gd name="connsiteY110" fmla="*/ 1544637 h 6858000"/>
-              <a:gd name="connsiteX111" fmla="*/ 178038 w 5282519"/>
-              <a:gd name="connsiteY111" fmla="*/ 1492250 h 6858000"/>
-              <a:gd name="connsiteX112" fmla="*/ 188115 w 5282519"/>
-              <a:gd name="connsiteY112" fmla="*/ 1431925 h 6858000"/>
-              <a:gd name="connsiteX113" fmla="*/ 189795 w 5282519"/>
-              <a:gd name="connsiteY113" fmla="*/ 1363662 h 6858000"/>
-              <a:gd name="connsiteX114" fmla="*/ 188115 w 5282519"/>
-              <a:gd name="connsiteY114" fmla="*/ 1295400 h 6858000"/>
-              <a:gd name="connsiteX115" fmla="*/ 178038 w 5282519"/>
-              <a:gd name="connsiteY115" fmla="*/ 1235075 h 6858000"/>
-              <a:gd name="connsiteX116" fmla="*/ 167960 w 5282519"/>
-              <a:gd name="connsiteY116" fmla="*/ 1182687 h 6858000"/>
-              <a:gd name="connsiteX117" fmla="*/ 152844 w 5282519"/>
-              <a:gd name="connsiteY117" fmla="*/ 1136650 h 6858000"/>
-              <a:gd name="connsiteX118" fmla="*/ 134368 w 5282519"/>
-              <a:gd name="connsiteY118" fmla="*/ 1095375 h 6858000"/>
-              <a:gd name="connsiteX119" fmla="*/ 115893 w 5282519"/>
-              <a:gd name="connsiteY119" fmla="*/ 1055687 h 6858000"/>
-              <a:gd name="connsiteX120" fmla="*/ 95738 w 5282519"/>
-              <a:gd name="connsiteY120" fmla="*/ 1017587 h 6858000"/>
-              <a:gd name="connsiteX121" fmla="*/ 75583 w 5282519"/>
-              <a:gd name="connsiteY121" fmla="*/ 981075 h 6858000"/>
-              <a:gd name="connsiteX122" fmla="*/ 55427 w 5282519"/>
-              <a:gd name="connsiteY122" fmla="*/ 942975 h 6858000"/>
-              <a:gd name="connsiteX123" fmla="*/ 38632 w 5282519"/>
-              <a:gd name="connsiteY123" fmla="*/ 901700 h 6858000"/>
-              <a:gd name="connsiteX124" fmla="*/ 23515 w 5282519"/>
-              <a:gd name="connsiteY124" fmla="*/ 854075 h 6858000"/>
-              <a:gd name="connsiteX125" fmla="*/ 11758 w 5282519"/>
-              <a:gd name="connsiteY125" fmla="*/ 801687 h 6858000"/>
-              <a:gd name="connsiteX126" fmla="*/ 3359 w 5282519"/>
-              <a:gd name="connsiteY126" fmla="*/ 744537 h 6858000"/>
-              <a:gd name="connsiteX127" fmla="*/ 0 w 5282519"/>
-              <a:gd name="connsiteY127" fmla="*/ 673100 h 6858000"/>
-              <a:gd name="connsiteX128" fmla="*/ 3359 w 5282519"/>
-              <a:gd name="connsiteY128" fmla="*/ 606425 h 6858000"/>
-              <a:gd name="connsiteX129" fmla="*/ 11758 w 5282519"/>
-              <a:gd name="connsiteY129" fmla="*/ 546100 h 6858000"/>
-              <a:gd name="connsiteX130" fmla="*/ 23515 w 5282519"/>
-              <a:gd name="connsiteY130" fmla="*/ 496887 h 6858000"/>
-              <a:gd name="connsiteX131" fmla="*/ 38632 w 5282519"/>
-              <a:gd name="connsiteY131" fmla="*/ 450850 h 6858000"/>
-              <a:gd name="connsiteX132" fmla="*/ 55427 w 5282519"/>
-              <a:gd name="connsiteY132" fmla="*/ 409575 h 6858000"/>
-              <a:gd name="connsiteX133" fmla="*/ 73903 w 5282519"/>
-              <a:gd name="connsiteY133" fmla="*/ 369887 h 6858000"/>
-              <a:gd name="connsiteX134" fmla="*/ 92379 w 5282519"/>
-              <a:gd name="connsiteY134" fmla="*/ 334962 h 6858000"/>
-              <a:gd name="connsiteX135" fmla="*/ 112534 w 5282519"/>
-              <a:gd name="connsiteY135" fmla="*/ 296862 h 6858000"/>
-              <a:gd name="connsiteX136" fmla="*/ 132689 w 5282519"/>
-              <a:gd name="connsiteY136" fmla="*/ 260350 h 6858000"/>
-              <a:gd name="connsiteX137" fmla="*/ 149485 w 5282519"/>
-              <a:gd name="connsiteY137" fmla="*/ 217487 h 6858000"/>
-              <a:gd name="connsiteX138" fmla="*/ 166281 w 5282519"/>
-              <a:gd name="connsiteY138" fmla="*/ 174625 h 6858000"/>
-              <a:gd name="connsiteX139" fmla="*/ 176358 w 5282519"/>
-              <a:gd name="connsiteY139" fmla="*/ 122237 h 6858000"/>
-              <a:gd name="connsiteX140" fmla="*/ 184756 w 5282519"/>
-              <a:gd name="connsiteY140" fmla="*/ 66675 h 6858000"/>
-            </a:gdLst>
-            <a:ahLst/>
-            <a:cxnLst>
-              <a:cxn ang="0">
-                <a:pos x="connsiteX0" y="connsiteY0"/>
-              </a:cxn>
-              <a:cxn ang="0">
-                <a:pos x="connsiteX1" y="connsiteY1"/>
-              </a:cxn>
-              <a:cxn ang="0">
-                <a:pos x="connsiteX2" y="connsiteY2"/>
-              </a:cxn>
-              <a:cxn ang="0">
-                <a:pos x="connsiteX3" y="connsiteY3"/>
-              </a:cxn>
-              <a:cxn ang="0">
-                <a:pos x="connsiteX4" y="connsiteY4"/>
-              </a:cxn>
-              <a:cxn ang="0">
-                <a:pos x="connsiteX5" y="connsiteY5"/>
-              </a:cxn>
-              <a:cxn ang="0">
-                <a:pos x="connsiteX6" y="connsiteY6"/>
-              </a:cxn>
-              <a:cxn ang="0">
-                <a:pos x="connsiteX7" y="connsiteY7"/>
-              </a:cxn>
-              <a:cxn ang="0">
-                <a:pos x="connsiteX8" y="connsiteY8"/>
-              </a:cxn>
-              <a:cxn ang="0">
-                <a:pos x="connsiteX9" y="connsiteY9"/>
-              </a:cxn>
-              <a:cxn ang="0">
-                <a:pos x="connsiteX10" y="connsiteY10"/>
-              </a:cxn>
-              <a:cxn ang="0">
-                <a:pos x="connsiteX11" y="connsiteY11"/>
-              </a:cxn>
-              <a:cxn ang="0">
-                <a:pos x="connsiteX12" y="connsiteY12"/>
-              </a:cxn>
-              <a:cxn ang="0">
-                <a:pos x="connsiteX13" y="connsiteY13"/>
-              </a:cxn>
-              <a:cxn ang="0">
-                <a:pos x="connsiteX14" y="connsiteY14"/>
-              </a:cxn>
-              <a:cxn ang="0">
-                <a:pos x="connsiteX15" y="connsiteY15"/>
-              </a:cxn>
-              <a:cxn ang="0">
-                <a:pos x="connsiteX16" y="connsiteY16"/>
-              </a:cxn>
-              <a:cxn ang="0">
-                <a:pos x="connsiteX17" y="connsiteY17"/>
-              </a:cxn>
-              <a:cxn ang="0">
-                <a:pos x="connsiteX18" y="connsiteY18"/>
-              </a:cxn>
-              <a:cxn ang="0">
-                <a:pos x="connsiteX19" y="connsiteY19"/>
-              </a:cxn>
-              <a:cxn ang="0">
-                <a:pos x="connsiteX20" y="connsiteY20"/>
-              </a:cxn>
-              <a:cxn ang="0">
-                <a:pos x="connsiteX21" y="connsiteY21"/>
-              </a:cxn>
-              <a:cxn ang="0">
-                <a:pos x="connsiteX22" y="connsiteY22"/>
-              </a:cxn>
-              <a:cxn ang="0">
-                <a:pos x="connsiteX23" y="connsiteY23"/>
-              </a:cxn>
-              <a:cxn ang="0">
-                <a:pos x="connsiteX24" y="connsiteY24"/>
-              </a:cxn>
-              <a:cxn ang="0">
-                <a:pos x="connsiteX25" y="connsiteY25"/>
-              </a:cxn>
-              <a:cxn ang="0">
-                <a:pos x="connsiteX26" y="connsiteY26"/>
-              </a:cxn>
-              <a:cxn ang="0">
-                <a:pos x="connsiteX27" y="connsiteY27"/>
-              </a:cxn>
-              <a:cxn ang="0">
-                <a:pos x="connsiteX28" y="connsiteY28"/>
-              </a:cxn>
-              <a:cxn ang="0">
-                <a:pos x="connsiteX29" y="connsiteY29"/>
-              </a:cxn>
-              <a:cxn ang="0">
-                <a:pos x="connsiteX30" y="connsiteY30"/>
-              </a:cxn>
-              <a:cxn ang="0">
-                <a:pos x="connsiteX31" y="connsiteY31"/>
-              </a:cxn>
-              <a:cxn ang="0">
-                <a:pos x="connsiteX32" y="connsiteY32"/>
-              </a:cxn>
-              <a:cxn ang="0">
-                <a:pos x="connsiteX33" y="connsiteY33"/>
-              </a:cxn>
-              <a:cxn ang="0">
-                <a:pos x="connsiteX34" y="connsiteY34"/>
-              </a:cxn>
-              <a:cxn ang="0">
-                <a:pos x="connsiteX35" y="connsiteY35"/>
-              </a:cxn>
-              <a:cxn ang="0">
-                <a:pos x="connsiteX36" y="connsiteY36"/>
-              </a:cxn>
-              <a:cxn ang="0">
-                <a:pos x="connsiteX37" y="connsiteY37"/>
-              </a:cxn>
-              <a:cxn ang="0">
-                <a:pos x="connsiteX38" y="connsiteY38"/>
-              </a:cxn>
-              <a:cxn ang="0">
-                <a:pos x="connsiteX39" y="connsiteY39"/>
-              </a:cxn>
-              <a:cxn ang="0">
-                <a:pos x="connsiteX40" y="connsiteY40"/>
-              </a:cxn>
-              <a:cxn ang="0">
-                <a:pos x="connsiteX41" y="connsiteY41"/>
-              </a:cxn>
-              <a:cxn ang="0">
-                <a:pos x="connsiteX42" y="connsiteY42"/>
-              </a:cxn>
-              <a:cxn ang="0">
-                <a:pos x="connsiteX43" y="connsiteY43"/>
-              </a:cxn>
-              <a:cxn ang="0">
-                <a:pos x="connsiteX44" y="connsiteY44"/>
-              </a:cxn>
-              <a:cxn ang="0">
-                <a:pos x="connsiteX45" y="connsiteY45"/>
-              </a:cxn>
-              <a:cxn ang="0">
-                <a:pos x="connsiteX46" y="connsiteY46"/>
-              </a:cxn>
-              <a:cxn ang="0">
-                <a:pos x="connsiteX47" y="connsiteY47"/>
-              </a:cxn>
-              <a:cxn ang="0">
-                <a:pos x="connsiteX48" y="connsiteY48"/>
-              </a:cxn>
-              <a:cxn ang="0">
-                <a:pos x="connsiteX49" y="connsiteY49"/>
-              </a:cxn>
-              <a:cxn ang="0">
-                <a:pos x="connsiteX50" y="connsiteY50"/>
-              </a:cxn>
-              <a:cxn ang="0">
-                <a:pos x="connsiteX51" y="connsiteY51"/>
-              </a:cxn>
-              <a:cxn ang="0">
-                <a:pos x="connsiteX52" y="connsiteY52"/>
-              </a:cxn>
-              <a:cxn ang="0">
-                <a:pos x="connsiteX53" y="connsiteY53"/>
-              </a:cxn>
-              <a:cxn ang="0">
-                <a:pos x="connsiteX54" y="connsiteY54"/>
-              </a:cxn>
-              <a:cxn ang="0">
-                <a:pos x="connsiteX55" y="connsiteY55"/>
-              </a:cxn>
-              <a:cxn ang="0">
-                <a:pos x="connsiteX56" y="connsiteY56"/>
-              </a:cxn>
-              <a:cxn ang="0">
-                <a:pos x="connsiteX57" y="connsiteY57"/>
-              </a:cxn>
-              <a:cxn ang="0">
-                <a:pos x="connsiteX58" y="connsiteY58"/>
-              </a:cxn>
-              <a:cxn ang="0">
-                <a:pos x="connsiteX59" y="connsiteY59"/>
-              </a:cxn>
-              <a:cxn ang="0">
-                <a:pos x="connsiteX60" y="connsiteY60"/>
-              </a:cxn>
-              <a:cxn ang="0">
-                <a:pos x="connsiteX61" y="connsiteY61"/>
-              </a:cxn>
-              <a:cxn ang="0">
-                <a:pos x="connsiteX62" y="connsiteY62"/>
-              </a:cxn>
-              <a:cxn ang="0">
-                <a:pos x="connsiteX63" y="connsiteY63"/>
-              </a:cxn>
-              <a:cxn ang="0">
-                <a:pos x="connsiteX64" y="connsiteY64"/>
-              </a:cxn>
-              <a:cxn ang="0">
-                <a:pos x="connsiteX65" y="connsiteY65"/>
-              </a:cxn>
-              <a:cxn ang="0">
-                <a:pos x="connsiteX66" y="connsiteY66"/>
-              </a:cxn>
-              <a:cxn ang="0">
-                <a:pos x="connsiteX67" y="connsiteY67"/>
-              </a:cxn>
-              <a:cxn ang="0">
-                <a:pos x="connsiteX68" y="connsiteY68"/>
-              </a:cxn>
-              <a:cxn ang="0">
-                <a:pos x="connsiteX69" y="connsiteY69"/>
-              </a:cxn>
-              <a:cxn ang="0">
-                <a:pos x="connsiteX70" y="connsiteY70"/>
-              </a:cxn>
-              <a:cxn ang="0">
-                <a:pos x="connsiteX71" y="connsiteY71"/>
-              </a:cxn>
-              <a:cxn ang="0">
-                <a:pos x="connsiteX72" y="connsiteY72"/>
-              </a:cxn>
-              <a:cxn ang="0">
-                <a:pos x="connsiteX73" y="connsiteY73"/>
-              </a:cxn>
-              <a:cxn ang="0">
-                <a:pos x="connsiteX74" y="connsiteY74"/>
-              </a:cxn>
-              <a:cxn ang="0">
-                <a:pos x="connsiteX75" y="connsiteY75"/>
-              </a:cxn>
-              <a:cxn ang="0">
-                <a:pos x="connsiteX76" y="connsiteY76"/>
-              </a:cxn>
-              <a:cxn ang="0">
-                <a:pos x="connsiteX77" y="connsiteY77"/>
-              </a:cxn>
-              <a:cxn ang="0">
-                <a:pos x="connsiteX78" y="connsiteY78"/>
-              </a:cxn>
-              <a:cxn ang="0">
-                <a:pos x="connsiteX79" y="connsiteY79"/>
-              </a:cxn>
-              <a:cxn ang="0">
-                <a:pos x="connsiteX80" y="connsiteY80"/>
-              </a:cxn>
-              <a:cxn ang="0">
-                <a:pos x="connsiteX81" y="connsiteY81"/>
-              </a:cxn>
-              <a:cxn ang="0">
-                <a:pos x="connsiteX82" y="connsiteY82"/>
-              </a:cxn>
-              <a:cxn ang="0">
-                <a:pos x="connsiteX83" y="connsiteY83"/>
-              </a:cxn>
-              <a:cxn ang="0">
-                <a:pos x="connsiteX84" y="connsiteY84"/>
-              </a:cxn>
-              <a:cxn ang="0">
-                <a:pos x="connsiteX85" y="connsiteY85"/>
-              </a:cxn>
-              <a:cxn ang="0">
-                <a:pos x="connsiteX86" y="connsiteY86"/>
-              </a:cxn>
-              <a:cxn ang="0">
-                <a:pos x="connsiteX87" y="connsiteY87"/>
-              </a:cxn>
-              <a:cxn ang="0">
-                <a:pos x="connsiteX88" y="connsiteY88"/>
-              </a:cxn>
-              <a:cxn ang="0">
-                <a:pos x="connsiteX89" y="connsiteY89"/>
-              </a:cxn>
-              <a:cxn ang="0">
-                <a:pos x="connsiteX90" y="connsiteY90"/>
-              </a:cxn>
-              <a:cxn ang="0">
-                <a:pos x="connsiteX91" y="connsiteY91"/>
-              </a:cxn>
-              <a:cxn ang="0">
-                <a:pos x="connsiteX92" y="connsiteY92"/>
-              </a:cxn>
-              <a:cxn ang="0">
-                <a:pos x="connsiteX93" y="connsiteY93"/>
-              </a:cxn>
-              <a:cxn ang="0">
-                <a:pos x="connsiteX94" y="connsiteY94"/>
-              </a:cxn>
-              <a:cxn ang="0">
-                <a:pos x="connsiteX95" y="connsiteY95"/>
-              </a:cxn>
-              <a:cxn ang="0">
-                <a:pos x="connsiteX96" y="connsiteY96"/>
-              </a:cxn>
-              <a:cxn ang="0">
-                <a:pos x="connsiteX97" y="connsiteY97"/>
-              </a:cxn>
-              <a:cxn ang="0">
-                <a:pos x="connsiteX98" y="connsiteY98"/>
-              </a:cxn>
-              <a:cxn ang="0">
-                <a:pos x="connsiteX99" y="connsiteY99"/>
-              </a:cxn>
-              <a:cxn ang="0">
-                <a:pos x="connsiteX100" y="connsiteY100"/>
-              </a:cxn>
-              <a:cxn ang="0">
-                <a:pos x="connsiteX101" y="connsiteY101"/>
-              </a:cxn>
-              <a:cxn ang="0">
-                <a:pos x="connsiteX102" y="connsiteY102"/>
-              </a:cxn>
-              <a:cxn ang="0">
-                <a:pos x="connsiteX103" y="connsiteY103"/>
-              </a:cxn>
-              <a:cxn ang="0">
-                <a:pos x="connsiteX104" y="connsiteY104"/>
-              </a:cxn>
-              <a:cxn ang="0">
-                <a:pos x="connsiteX105" y="connsiteY105"/>
-              </a:cxn>
-              <a:cxn ang="0">
-                <a:pos x="connsiteX106" y="connsiteY106"/>
-              </a:cxn>
-              <a:cxn ang="0">
-                <a:pos x="connsiteX107" y="connsiteY107"/>
-              </a:cxn>
-              <a:cxn ang="0">
-                <a:pos x="connsiteX108" y="connsiteY108"/>
-              </a:cxn>
-              <a:cxn ang="0">
-                <a:pos x="connsiteX109" y="connsiteY109"/>
-              </a:cxn>
-              <a:cxn ang="0">
-                <a:pos x="connsiteX110" y="connsiteY110"/>
-              </a:cxn>
-              <a:cxn ang="0">
-                <a:pos x="connsiteX111" y="connsiteY111"/>
-              </a:cxn>
-              <a:cxn ang="0">
-                <a:pos x="connsiteX112" y="connsiteY112"/>
-              </a:cxn>
-              <a:cxn ang="0">
-                <a:pos x="connsiteX113" y="connsiteY113"/>
-              </a:cxn>
-              <a:cxn ang="0">
-                <a:pos x="connsiteX114" y="connsiteY114"/>
-              </a:cxn>
-              <a:cxn ang="0">
-                <a:pos x="connsiteX115" y="connsiteY115"/>
-              </a:cxn>
-              <a:cxn ang="0">
-                <a:pos x="connsiteX116" y="connsiteY116"/>
-              </a:cxn>
-              <a:cxn ang="0">
-                <a:pos x="connsiteX117" y="connsiteY117"/>
-              </a:cxn>
-              <a:cxn ang="0">
-                <a:pos x="connsiteX118" y="connsiteY118"/>
-              </a:cxn>
-              <a:cxn ang="0">
-                <a:pos x="connsiteX119" y="connsiteY119"/>
-              </a:cxn>
-              <a:cxn ang="0">
-                <a:pos x="connsiteX120" y="connsiteY120"/>
-              </a:cxn>
-              <a:cxn ang="0">
-                <a:pos x="connsiteX121" y="connsiteY121"/>
-              </a:cxn>
-              <a:cxn ang="0">
-                <a:pos x="connsiteX122" y="connsiteY122"/>
-              </a:cxn>
-              <a:cxn ang="0">
-                <a:pos x="connsiteX123" y="connsiteY123"/>
-              </a:cxn>
-              <a:cxn ang="0">
-                <a:pos x="connsiteX124" y="connsiteY124"/>
-              </a:cxn>
-              <a:cxn ang="0">
-                <a:pos x="connsiteX125" y="connsiteY125"/>
-              </a:cxn>
-              <a:cxn ang="0">
-                <a:pos x="connsiteX126" y="connsiteY126"/>
-              </a:cxn>
-              <a:cxn ang="0">
-                <a:pos x="connsiteX127" y="connsiteY127"/>
-              </a:cxn>
-              <a:cxn ang="0">
-                <a:pos x="connsiteX128" y="connsiteY128"/>
-              </a:cxn>
-              <a:cxn ang="0">
-                <a:pos x="connsiteX129" y="connsiteY129"/>
-              </a:cxn>
-              <a:cxn ang="0">
-                <a:pos x="connsiteX130" y="connsiteY130"/>
-              </a:cxn>
-              <a:cxn ang="0">
-                <a:pos x="connsiteX131" y="connsiteY131"/>
-              </a:cxn>
-              <a:cxn ang="0">
-                <a:pos x="connsiteX132" y="connsiteY132"/>
-              </a:cxn>
-              <a:cxn ang="0">
-                <a:pos x="connsiteX133" y="connsiteY133"/>
-              </a:cxn>
-              <a:cxn ang="0">
-                <a:pos x="connsiteX134" y="connsiteY134"/>
-              </a:cxn>
-              <a:cxn ang="0">
-                <a:pos x="connsiteX135" y="connsiteY135"/>
-              </a:cxn>
-              <a:cxn ang="0">
-                <a:pos x="connsiteX136" y="connsiteY136"/>
-              </a:cxn>
-              <a:cxn ang="0">
-                <a:pos x="connsiteX137" y="connsiteY137"/>
-              </a:cxn>
-              <a:cxn ang="0">
-                <a:pos x="connsiteX138" y="connsiteY138"/>
-              </a:cxn>
-              <a:cxn ang="0">
-                <a:pos x="connsiteX139" y="connsiteY139"/>
-              </a:cxn>
-              <a:cxn ang="0">
-                <a:pos x="connsiteX140" y="connsiteY140"/>
-              </a:cxn>
-            </a:cxnLst>
-            <a:rect l="l" t="t" r="r" b="b"/>
-            <a:pathLst>
-              <a:path w="5282519" h="6858000">
-                <a:moveTo>
-                  <a:pt x="189795" y="0"/>
-                </a:moveTo>
-                <a:lnTo>
-                  <a:pt x="5282519" y="0"/>
-                </a:lnTo>
-                <a:lnTo>
-                  <a:pt x="5282519" y="6858000"/>
-                </a:lnTo>
-                <a:lnTo>
-                  <a:pt x="189795" y="6858000"/>
-                </a:lnTo>
-                <a:lnTo>
-                  <a:pt x="184756" y="6791325"/>
-                </a:lnTo>
-                <a:lnTo>
-                  <a:pt x="176358" y="6735762"/>
-                </a:lnTo>
-                <a:lnTo>
-                  <a:pt x="166281" y="6683375"/>
-                </a:lnTo>
-                <a:lnTo>
-                  <a:pt x="149485" y="6640512"/>
-                </a:lnTo>
-                <a:lnTo>
-                  <a:pt x="132689" y="6597650"/>
-                </a:lnTo>
-                <a:lnTo>
-                  <a:pt x="112534" y="6561137"/>
-                </a:lnTo>
-                <a:lnTo>
-                  <a:pt x="92379" y="6523037"/>
-                </a:lnTo>
-                <a:lnTo>
-                  <a:pt x="73903" y="6488112"/>
-                </a:lnTo>
-                <a:lnTo>
-                  <a:pt x="55427" y="6448425"/>
-                </a:lnTo>
-                <a:lnTo>
-                  <a:pt x="38632" y="6407150"/>
-                </a:lnTo>
-                <a:lnTo>
-                  <a:pt x="23515" y="6361112"/>
-                </a:lnTo>
-                <a:lnTo>
-                  <a:pt x="11758" y="6311900"/>
-                </a:lnTo>
-                <a:lnTo>
-                  <a:pt x="3359" y="6251575"/>
-                </a:lnTo>
-                <a:lnTo>
-                  <a:pt x="0" y="6183312"/>
-                </a:lnTo>
-                <a:lnTo>
-                  <a:pt x="3359" y="6113462"/>
-                </a:lnTo>
-                <a:lnTo>
-                  <a:pt x="11758" y="6056312"/>
-                </a:lnTo>
-                <a:lnTo>
-                  <a:pt x="23515" y="6003925"/>
-                </a:lnTo>
-                <a:lnTo>
-                  <a:pt x="38632" y="5956300"/>
-                </a:lnTo>
-                <a:lnTo>
-                  <a:pt x="55427" y="5915025"/>
-                </a:lnTo>
-                <a:lnTo>
-                  <a:pt x="75583" y="5876925"/>
-                </a:lnTo>
-                <a:lnTo>
-                  <a:pt x="95738" y="5840412"/>
-                </a:lnTo>
-                <a:lnTo>
-                  <a:pt x="115893" y="5802312"/>
-                </a:lnTo>
-                <a:lnTo>
-                  <a:pt x="134368" y="5762625"/>
-                </a:lnTo>
-                <a:lnTo>
-                  <a:pt x="152844" y="5721350"/>
-                </a:lnTo>
-                <a:lnTo>
-                  <a:pt x="167960" y="5675312"/>
-                </a:lnTo>
-                <a:lnTo>
-                  <a:pt x="178038" y="5622925"/>
-                </a:lnTo>
-                <a:lnTo>
-                  <a:pt x="188115" y="5562600"/>
-                </a:lnTo>
-                <a:lnTo>
-                  <a:pt x="189795" y="5494337"/>
-                </a:lnTo>
-                <a:lnTo>
-                  <a:pt x="188115" y="5426075"/>
-                </a:lnTo>
-                <a:lnTo>
-                  <a:pt x="178038" y="5365750"/>
-                </a:lnTo>
-                <a:lnTo>
-                  <a:pt x="167960" y="5313362"/>
-                </a:lnTo>
-                <a:lnTo>
-                  <a:pt x="152844" y="5268912"/>
-                </a:lnTo>
-                <a:lnTo>
-                  <a:pt x="134368" y="5226050"/>
-                </a:lnTo>
-                <a:lnTo>
-                  <a:pt x="115893" y="5186362"/>
-                </a:lnTo>
-                <a:lnTo>
-                  <a:pt x="95738" y="5149850"/>
-                </a:lnTo>
-                <a:lnTo>
-                  <a:pt x="75583" y="5114925"/>
-                </a:lnTo>
-                <a:lnTo>
-                  <a:pt x="55427" y="5075237"/>
-                </a:lnTo>
-                <a:lnTo>
-                  <a:pt x="38632" y="5033962"/>
-                </a:lnTo>
-                <a:lnTo>
-                  <a:pt x="23515" y="4987925"/>
-                </a:lnTo>
-                <a:lnTo>
-                  <a:pt x="11758" y="4935537"/>
-                </a:lnTo>
-                <a:lnTo>
-                  <a:pt x="3359" y="4875212"/>
-                </a:lnTo>
-                <a:lnTo>
-                  <a:pt x="0" y="4806950"/>
-                </a:lnTo>
-                <a:lnTo>
-                  <a:pt x="3359" y="4738687"/>
-                </a:lnTo>
-                <a:lnTo>
-                  <a:pt x="11758" y="4678362"/>
-                </a:lnTo>
-                <a:lnTo>
-                  <a:pt x="23515" y="4625975"/>
-                </a:lnTo>
-                <a:lnTo>
-                  <a:pt x="38632" y="4579937"/>
-                </a:lnTo>
-                <a:lnTo>
-                  <a:pt x="55427" y="4537075"/>
-                </a:lnTo>
-                <a:lnTo>
-                  <a:pt x="75583" y="4498975"/>
-                </a:lnTo>
-                <a:lnTo>
-                  <a:pt x="115893" y="4424362"/>
-                </a:lnTo>
-                <a:lnTo>
-                  <a:pt x="134368" y="4386262"/>
-                </a:lnTo>
-                <a:lnTo>
-                  <a:pt x="152844" y="4343400"/>
-                </a:lnTo>
-                <a:lnTo>
-                  <a:pt x="167960" y="4297362"/>
-                </a:lnTo>
-                <a:lnTo>
-                  <a:pt x="178038" y="4244975"/>
-                </a:lnTo>
-                <a:lnTo>
-                  <a:pt x="188115" y="4186237"/>
-                </a:lnTo>
-                <a:lnTo>
-                  <a:pt x="189795" y="4116387"/>
-                </a:lnTo>
-                <a:lnTo>
-                  <a:pt x="188115" y="4048125"/>
-                </a:lnTo>
-                <a:lnTo>
-                  <a:pt x="178038" y="3987800"/>
-                </a:lnTo>
-                <a:lnTo>
-                  <a:pt x="167960" y="3935412"/>
-                </a:lnTo>
-                <a:lnTo>
-                  <a:pt x="152844" y="3890962"/>
-                </a:lnTo>
-                <a:lnTo>
-                  <a:pt x="134368" y="3848100"/>
-                </a:lnTo>
-                <a:lnTo>
-                  <a:pt x="115893" y="3811587"/>
-                </a:lnTo>
-                <a:lnTo>
-                  <a:pt x="75583" y="3736975"/>
-                </a:lnTo>
-                <a:lnTo>
-                  <a:pt x="55427" y="3697287"/>
-                </a:lnTo>
-                <a:lnTo>
-                  <a:pt x="38632" y="3656012"/>
-                </a:lnTo>
-                <a:lnTo>
-                  <a:pt x="23515" y="3609975"/>
-                </a:lnTo>
-                <a:lnTo>
-                  <a:pt x="11758" y="3557587"/>
-                </a:lnTo>
-                <a:lnTo>
-                  <a:pt x="3359" y="3497262"/>
-                </a:lnTo>
-                <a:lnTo>
-                  <a:pt x="0" y="3427412"/>
-                </a:lnTo>
-                <a:lnTo>
-                  <a:pt x="3359" y="3360737"/>
-                </a:lnTo>
-                <a:lnTo>
-                  <a:pt x="11758" y="3300412"/>
-                </a:lnTo>
-                <a:lnTo>
-                  <a:pt x="23515" y="3248025"/>
-                </a:lnTo>
-                <a:lnTo>
-                  <a:pt x="38632" y="3201987"/>
-                </a:lnTo>
-                <a:lnTo>
-                  <a:pt x="55427" y="3160712"/>
-                </a:lnTo>
-                <a:lnTo>
-                  <a:pt x="75583" y="3121025"/>
-                </a:lnTo>
-                <a:lnTo>
-                  <a:pt x="95738" y="3084512"/>
-                </a:lnTo>
-                <a:lnTo>
-                  <a:pt x="115893" y="3046412"/>
-                </a:lnTo>
-                <a:lnTo>
-                  <a:pt x="134368" y="3009900"/>
-                </a:lnTo>
-                <a:lnTo>
-                  <a:pt x="152844" y="2967037"/>
-                </a:lnTo>
-                <a:lnTo>
-                  <a:pt x="167960" y="2922587"/>
-                </a:lnTo>
-                <a:lnTo>
-                  <a:pt x="178038" y="2868612"/>
-                </a:lnTo>
-                <a:lnTo>
-                  <a:pt x="188115" y="2809875"/>
-                </a:lnTo>
-                <a:lnTo>
-                  <a:pt x="189795" y="2741612"/>
-                </a:lnTo>
-                <a:lnTo>
-                  <a:pt x="188115" y="2671762"/>
-                </a:lnTo>
-                <a:lnTo>
-                  <a:pt x="178038" y="2613025"/>
-                </a:lnTo>
-                <a:lnTo>
-                  <a:pt x="167960" y="2560637"/>
-                </a:lnTo>
-                <a:lnTo>
-                  <a:pt x="152844" y="2513012"/>
-                </a:lnTo>
-                <a:lnTo>
-                  <a:pt x="134368" y="2471737"/>
-                </a:lnTo>
-                <a:lnTo>
-                  <a:pt x="115893" y="2433637"/>
-                </a:lnTo>
-                <a:lnTo>
-                  <a:pt x="95738" y="2395537"/>
-                </a:lnTo>
-                <a:lnTo>
-                  <a:pt x="75583" y="2359025"/>
-                </a:lnTo>
-                <a:lnTo>
-                  <a:pt x="55427" y="2319337"/>
-                </a:lnTo>
-                <a:lnTo>
-                  <a:pt x="38632" y="2278062"/>
-                </a:lnTo>
-                <a:lnTo>
-                  <a:pt x="23515" y="2232025"/>
-                </a:lnTo>
-                <a:lnTo>
-                  <a:pt x="11758" y="2179637"/>
-                </a:lnTo>
-                <a:lnTo>
-                  <a:pt x="3359" y="2119312"/>
-                </a:lnTo>
-                <a:lnTo>
-                  <a:pt x="0" y="2051050"/>
-                </a:lnTo>
-                <a:lnTo>
-                  <a:pt x="3359" y="1982787"/>
-                </a:lnTo>
-                <a:lnTo>
-                  <a:pt x="11758" y="1922462"/>
-                </a:lnTo>
-                <a:lnTo>
-                  <a:pt x="23515" y="1870075"/>
-                </a:lnTo>
-                <a:lnTo>
-                  <a:pt x="38632" y="1824037"/>
-                </a:lnTo>
-                <a:lnTo>
-                  <a:pt x="55427" y="1782762"/>
-                </a:lnTo>
-                <a:lnTo>
-                  <a:pt x="75583" y="1743075"/>
-                </a:lnTo>
-                <a:lnTo>
-                  <a:pt x="95738" y="1708150"/>
-                </a:lnTo>
-                <a:lnTo>
-                  <a:pt x="115893" y="1671637"/>
-                </a:lnTo>
-                <a:lnTo>
-                  <a:pt x="134368" y="1631950"/>
-                </a:lnTo>
-                <a:lnTo>
-                  <a:pt x="152844" y="1589087"/>
-                </a:lnTo>
-                <a:lnTo>
-                  <a:pt x="167960" y="1544637"/>
-                </a:lnTo>
-                <a:lnTo>
-                  <a:pt x="178038" y="1492250"/>
-                </a:lnTo>
-                <a:lnTo>
-                  <a:pt x="188115" y="1431925"/>
-                </a:lnTo>
-                <a:lnTo>
-                  <a:pt x="189795" y="1363662"/>
-                </a:lnTo>
-                <a:lnTo>
-                  <a:pt x="188115" y="1295400"/>
-                </a:lnTo>
-                <a:lnTo>
-                  <a:pt x="178038" y="1235075"/>
-                </a:lnTo>
-                <a:lnTo>
-                  <a:pt x="167960" y="1182687"/>
-                </a:lnTo>
-                <a:lnTo>
-                  <a:pt x="152844" y="1136650"/>
-                </a:lnTo>
-                <a:lnTo>
-                  <a:pt x="134368" y="1095375"/>
-                </a:lnTo>
-                <a:lnTo>
-                  <a:pt x="115893" y="1055687"/>
-                </a:lnTo>
-                <a:lnTo>
-                  <a:pt x="95738" y="1017587"/>
-                </a:lnTo>
-                <a:lnTo>
-                  <a:pt x="75583" y="981075"/>
-                </a:lnTo>
-                <a:lnTo>
-                  <a:pt x="55427" y="942975"/>
-                </a:lnTo>
-                <a:lnTo>
-                  <a:pt x="38632" y="901700"/>
-                </a:lnTo>
-                <a:lnTo>
-                  <a:pt x="23515" y="854075"/>
-                </a:lnTo>
-                <a:lnTo>
-                  <a:pt x="11758" y="801687"/>
-                </a:lnTo>
-                <a:lnTo>
-                  <a:pt x="3359" y="744537"/>
-                </a:lnTo>
-                <a:lnTo>
-                  <a:pt x="0" y="673100"/>
-                </a:lnTo>
-                <a:lnTo>
-                  <a:pt x="3359" y="606425"/>
-                </a:lnTo>
-                <a:lnTo>
-                  <a:pt x="11758" y="546100"/>
-                </a:lnTo>
-                <a:lnTo>
-                  <a:pt x="23515" y="496887"/>
-                </a:lnTo>
-                <a:lnTo>
-                  <a:pt x="38632" y="450850"/>
-                </a:lnTo>
-                <a:lnTo>
-                  <a:pt x="55427" y="409575"/>
-                </a:lnTo>
-                <a:lnTo>
-                  <a:pt x="73903" y="369887"/>
-                </a:lnTo>
-                <a:lnTo>
-                  <a:pt x="92379" y="334962"/>
-                </a:lnTo>
-                <a:lnTo>
-                  <a:pt x="112534" y="296862"/>
-                </a:lnTo>
-                <a:lnTo>
-                  <a:pt x="132689" y="260350"/>
-                </a:lnTo>
-                <a:lnTo>
-                  <a:pt x="149485" y="217487"/>
-                </a:lnTo>
-                <a:lnTo>
-                  <a:pt x="166281" y="174625"/>
-                </a:lnTo>
-                <a:lnTo>
-                  <a:pt x="176358" y="122237"/>
-                </a:lnTo>
-                <a:lnTo>
-                  <a:pt x="184756" y="66675"/>
-                </a:lnTo>
-                <a:close/>
-              </a:path>
-            </a:pathLst>
-          </a:custGeom>
-          <a:solidFill>
-            <a:srgbClr val="FFFFFF"/>
-          </a:solidFill>
-          <a:ln>
-            <a:noFill/>
-          </a:ln>
-        </p:spPr>
-        <p:style>
-          <a:lnRef idx="2">
-            <a:schemeClr val="accent1">
-              <a:shade val="50000"/>
-            </a:schemeClr>
-          </a:lnRef>
-          <a:fillRef idx="1">
-            <a:schemeClr val="accent1"/>
-          </a:fillRef>
-          <a:effectRef idx="0">
-            <a:schemeClr val="accent1"/>
-          </a:effectRef>
-          <a:fontRef idx="minor">
-            <a:schemeClr val="lt1"/>
-          </a:fontRef>
-        </p:style>
-        <p:txBody>
-          <a:bodyPr wrap="square" rtlCol="0" anchor="ctr">
-            <a:noAutofit/>
-          </a:bodyPr>
-          <a:lstStyle/>
-          <a:p>
-            <a:pPr algn="ctr" rtl="0"/>
-            <a:endParaRPr lang="ru-RU" noProof="1">
-              <a:latin typeface="Calibri" panose="020F0502020204030204" pitchFamily="34" charset="0"/>
-            </a:endParaRPr>
-          </a:p>
-        </p:txBody>
-      </p:sp>
-      <p:pic>
-        <p:nvPicPr>
-          <p:cNvPr id="13" name="Рисунок 12">
-            <a:extLst>
-              <a:ext uri="{FF2B5EF4-FFF2-40B4-BE49-F238E27FC236}">
-                <a16:creationId xmlns:a16="http://schemas.microsoft.com/office/drawing/2014/main" id="{04C144E9-AAA3-480E-AFC8-084100CE25D8}"/>
+                <a16:creationId xmlns:a16="http://schemas.microsoft.com/office/drawing/2014/main" id="{376B0A34-89EE-4ACC-BBDB-6E2D34FA1080}"/>
               </a:ext>
             </a:extLst>
           </p:cNvPr>
@@ -8821,638 +7336,15 @@
           <p:nvPr/>
         </p:nvPicPr>
         <p:blipFill>
-          <a:blip r:embed="rId3"/>
+          <a:blip r:embed="rId2"/>
           <a:stretch>
             <a:fillRect/>
           </a:stretch>
         </p:blipFill>
         <p:spPr>
           <a:xfrm>
-            <a:off x="7569843" y="1"/>
-            <a:ext cx="4478850" cy="6857999"/>
-          </a:xfrm>
-          <a:prstGeom prst="rect">
-            <a:avLst/>
-          </a:prstGeom>
-        </p:spPr>
-      </p:pic>
-      <p:pic>
-        <p:nvPicPr>
-          <p:cNvPr id="20" name="Рисунок 19">
-            <a:extLst>
-              <a:ext uri="{FF2B5EF4-FFF2-40B4-BE49-F238E27FC236}">
-                <a16:creationId xmlns:a16="http://schemas.microsoft.com/office/drawing/2014/main" id="{6A49CF85-E03E-4F64-9774-14F8150EC2D0}"/>
-              </a:ext>
-            </a:extLst>
-          </p:cNvPr>
-          <p:cNvPicPr>
-            <a:picLocks noChangeAspect="1"/>
-          </p:cNvPicPr>
-          <p:nvPr/>
-        </p:nvPicPr>
-        <p:blipFill>
-          <a:blip r:embed="rId4"/>
-          <a:stretch>
-            <a:fillRect/>
-          </a:stretch>
-        </p:blipFill>
-        <p:spPr>
-          <a:xfrm>
-            <a:off x="6967959" y="-1"/>
-            <a:ext cx="1444521" cy="6857999"/>
-          </a:xfrm>
-          <a:prstGeom prst="rect">
-            <a:avLst/>
-          </a:prstGeom>
-        </p:spPr>
-      </p:pic>
-      <p:pic>
-        <p:nvPicPr>
-          <p:cNvPr id="22" name="Рисунок 21">
-            <a:extLst>
-              <a:ext uri="{FF2B5EF4-FFF2-40B4-BE49-F238E27FC236}">
-                <a16:creationId xmlns:a16="http://schemas.microsoft.com/office/drawing/2014/main" id="{4934EE87-0E54-420D-A371-C63C5883E62C}"/>
-              </a:ext>
-            </a:extLst>
-          </p:cNvPr>
-          <p:cNvPicPr>
-            <a:picLocks noChangeAspect="1"/>
-          </p:cNvPicPr>
-          <p:nvPr/>
-        </p:nvPicPr>
-        <p:blipFill rotWithShape="1">
-          <a:blip r:embed="rId5"/>
-          <a:srcRect l="11012" r="27257" b="3761"/>
-          <a:stretch/>
-        </p:blipFill>
-        <p:spPr>
-          <a:xfrm rot="16200000">
-            <a:off x="3274681" y="364756"/>
-            <a:ext cx="6858001" cy="6128483"/>
-          </a:xfrm>
-          <a:prstGeom prst="rect">
-            <a:avLst/>
-          </a:prstGeom>
-        </p:spPr>
-      </p:pic>
-      <p:pic>
-        <p:nvPicPr>
-          <p:cNvPr id="24" name="Рисунок 23">
-            <a:extLst>
-              <a:ext uri="{FF2B5EF4-FFF2-40B4-BE49-F238E27FC236}">
-                <a16:creationId xmlns:a16="http://schemas.microsoft.com/office/drawing/2014/main" id="{E8C4493A-ECEB-4F23-BC33-12808F8A7978}"/>
-              </a:ext>
-            </a:extLst>
-          </p:cNvPr>
-          <p:cNvPicPr>
-            <a:picLocks noChangeAspect="1"/>
-          </p:cNvPicPr>
-          <p:nvPr/>
-        </p:nvPicPr>
-        <p:blipFill>
-          <a:blip r:embed="rId6"/>
-          <a:stretch>
-            <a:fillRect/>
-          </a:stretch>
-        </p:blipFill>
-        <p:spPr>
-          <a:xfrm>
-            <a:off x="6848749" y="431341"/>
-            <a:ext cx="620202" cy="700686"/>
-          </a:xfrm>
-          <a:prstGeom prst="rect">
-            <a:avLst/>
-          </a:prstGeom>
-        </p:spPr>
-      </p:pic>
-      <p:pic>
-        <p:nvPicPr>
-          <p:cNvPr id="25" name="Рисунок 24">
-            <a:extLst>
-              <a:ext uri="{FF2B5EF4-FFF2-40B4-BE49-F238E27FC236}">
-                <a16:creationId xmlns:a16="http://schemas.microsoft.com/office/drawing/2014/main" id="{EC5B768C-D691-49EA-A8ED-C364628F04EF}"/>
-              </a:ext>
-            </a:extLst>
-          </p:cNvPr>
-          <p:cNvPicPr>
-            <a:picLocks noChangeAspect="1"/>
-          </p:cNvPicPr>
-          <p:nvPr/>
-        </p:nvPicPr>
-        <p:blipFill>
-          <a:blip r:embed="rId6"/>
-          <a:stretch>
-            <a:fillRect/>
-          </a:stretch>
-        </p:blipFill>
-        <p:spPr>
-          <a:xfrm>
-            <a:off x="6824655" y="1741208"/>
-            <a:ext cx="620202" cy="728263"/>
-          </a:xfrm>
-          <a:prstGeom prst="rect">
-            <a:avLst/>
-          </a:prstGeom>
-        </p:spPr>
-      </p:pic>
-      <p:pic>
-        <p:nvPicPr>
-          <p:cNvPr id="26" name="Рисунок 25">
-            <a:extLst>
-              <a:ext uri="{FF2B5EF4-FFF2-40B4-BE49-F238E27FC236}">
-                <a16:creationId xmlns:a16="http://schemas.microsoft.com/office/drawing/2014/main" id="{53D36325-5B97-4C90-815C-EFB784449052}"/>
-              </a:ext>
-            </a:extLst>
-          </p:cNvPr>
-          <p:cNvPicPr>
-            <a:picLocks noChangeAspect="1"/>
-          </p:cNvPicPr>
-          <p:nvPr/>
-        </p:nvPicPr>
-        <p:blipFill>
-          <a:blip r:embed="rId6"/>
-          <a:stretch>
-            <a:fillRect/>
-          </a:stretch>
-        </p:blipFill>
-        <p:spPr>
-          <a:xfrm>
-            <a:off x="6852523" y="3078654"/>
-            <a:ext cx="620202" cy="700686"/>
-          </a:xfrm>
-          <a:prstGeom prst="rect">
-            <a:avLst/>
-          </a:prstGeom>
-        </p:spPr>
-      </p:pic>
-      <p:pic>
-        <p:nvPicPr>
-          <p:cNvPr id="27" name="Рисунок 26">
-            <a:extLst>
-              <a:ext uri="{FF2B5EF4-FFF2-40B4-BE49-F238E27FC236}">
-                <a16:creationId xmlns:a16="http://schemas.microsoft.com/office/drawing/2014/main" id="{32D5B0B9-9700-4F31-8A77-A97E15C0DF3C}"/>
-              </a:ext>
-            </a:extLst>
-          </p:cNvPr>
-          <p:cNvPicPr>
-            <a:picLocks noChangeAspect="1"/>
-          </p:cNvPicPr>
-          <p:nvPr/>
-        </p:nvPicPr>
-        <p:blipFill>
-          <a:blip r:embed="rId6"/>
-          <a:stretch>
-            <a:fillRect/>
-          </a:stretch>
-        </p:blipFill>
-        <p:spPr>
-          <a:xfrm>
-            <a:off x="6845074" y="4388522"/>
-            <a:ext cx="620202" cy="700686"/>
-          </a:xfrm>
-          <a:prstGeom prst="rect">
-            <a:avLst/>
-          </a:prstGeom>
-        </p:spPr>
-      </p:pic>
-      <p:pic>
-        <p:nvPicPr>
-          <p:cNvPr id="28" name="Рисунок 27">
-            <a:extLst>
-              <a:ext uri="{FF2B5EF4-FFF2-40B4-BE49-F238E27FC236}">
-                <a16:creationId xmlns:a16="http://schemas.microsoft.com/office/drawing/2014/main" id="{67A72FF6-15A9-425D-A547-E0DF5162FF30}"/>
-              </a:ext>
-            </a:extLst>
-          </p:cNvPr>
-          <p:cNvPicPr>
-            <a:picLocks noChangeAspect="1"/>
-          </p:cNvPicPr>
-          <p:nvPr/>
-        </p:nvPicPr>
-        <p:blipFill>
-          <a:blip r:embed="rId6"/>
-          <a:stretch>
-            <a:fillRect/>
-          </a:stretch>
-        </p:blipFill>
-        <p:spPr>
-          <a:xfrm>
-            <a:off x="6824655" y="5698390"/>
-            <a:ext cx="673536" cy="700686"/>
-          </a:xfrm>
-          <a:prstGeom prst="rect">
-            <a:avLst/>
-          </a:prstGeom>
-        </p:spPr>
-      </p:pic>
-      <p:pic>
-        <p:nvPicPr>
-          <p:cNvPr id="29" name="Рисунок 28">
-            <a:extLst>
-              <a:ext uri="{FF2B5EF4-FFF2-40B4-BE49-F238E27FC236}">
-                <a16:creationId xmlns:a16="http://schemas.microsoft.com/office/drawing/2014/main" id="{A3DF5541-7BEC-471F-9540-5419AF3B7432}"/>
-              </a:ext>
-            </a:extLst>
-          </p:cNvPr>
-          <p:cNvPicPr>
-            <a:picLocks noChangeAspect="1"/>
-          </p:cNvPicPr>
-          <p:nvPr/>
-        </p:nvPicPr>
-        <p:blipFill>
-          <a:blip r:embed="rId6"/>
-          <a:stretch>
-            <a:fillRect/>
-          </a:stretch>
-        </p:blipFill>
-        <p:spPr>
-          <a:xfrm>
-            <a:off x="6967959" y="6157314"/>
-            <a:ext cx="620202" cy="700686"/>
-          </a:xfrm>
-          <a:prstGeom prst="rect">
-            <a:avLst/>
-          </a:prstGeom>
-        </p:spPr>
-      </p:pic>
-      <p:sp>
-        <p:nvSpPr>
-          <p:cNvPr id="31" name="Прямоугольник 30">
-            <a:extLst>
-              <a:ext uri="{FF2B5EF4-FFF2-40B4-BE49-F238E27FC236}">
-                <a16:creationId xmlns:a16="http://schemas.microsoft.com/office/drawing/2014/main" id="{8E630D56-94DA-490C-BB51-659A4FB2F435}"/>
-              </a:ext>
-            </a:extLst>
-          </p:cNvPr>
-          <p:cNvSpPr/>
-          <p:nvPr/>
-        </p:nvSpPr>
-        <p:spPr>
-          <a:xfrm>
-            <a:off x="6852523" y="-6"/>
-            <a:ext cx="474310" cy="6817503"/>
-          </a:xfrm>
-          <a:prstGeom prst="rect">
-            <a:avLst/>
-          </a:prstGeom>
-          <a:solidFill>
-            <a:schemeClr val="tx1"/>
-          </a:solidFill>
-          <a:ln>
-            <a:solidFill>
-              <a:schemeClr val="tx1"/>
-            </a:solidFill>
-          </a:ln>
-        </p:spPr>
-        <p:style>
-          <a:lnRef idx="2">
-            <a:schemeClr val="accent1">
-              <a:shade val="50000"/>
-            </a:schemeClr>
-          </a:lnRef>
-          <a:fillRef idx="1">
-            <a:schemeClr val="accent1"/>
-          </a:fillRef>
-          <a:effectRef idx="0">
-            <a:schemeClr val="accent1"/>
-          </a:effectRef>
-          <a:fontRef idx="minor">
-            <a:schemeClr val="lt1"/>
-          </a:fontRef>
-        </p:style>
-        <p:txBody>
-          <a:bodyPr rtlCol="0" anchor="ctr"/>
-          <a:lstStyle/>
-          <a:p>
-            <a:pPr algn="ctr"/>
-            <a:endParaRPr lang="ru-RU"/>
-          </a:p>
-        </p:txBody>
-      </p:sp>
-      <p:pic>
-        <p:nvPicPr>
-          <p:cNvPr id="33" name="Рисунок 32">
-            <a:extLst>
-              <a:ext uri="{FF2B5EF4-FFF2-40B4-BE49-F238E27FC236}">
-                <a16:creationId xmlns:a16="http://schemas.microsoft.com/office/drawing/2014/main" id="{27188C4D-DD8F-4411-81D1-EABBEC3DDEBB}"/>
-              </a:ext>
-            </a:extLst>
-          </p:cNvPr>
-          <p:cNvPicPr>
-            <a:picLocks noChangeAspect="1"/>
-          </p:cNvPicPr>
-          <p:nvPr/>
-        </p:nvPicPr>
-        <p:blipFill>
-          <a:blip r:embed="rId6"/>
-          <a:stretch>
-            <a:fillRect/>
-          </a:stretch>
-        </p:blipFill>
-        <p:spPr>
-          <a:xfrm>
-            <a:off x="6776723" y="407871"/>
-            <a:ext cx="498309" cy="562975"/>
-          </a:xfrm>
-          <a:prstGeom prst="rect">
-            <a:avLst/>
-          </a:prstGeom>
-        </p:spPr>
-      </p:pic>
-      <p:pic>
-        <p:nvPicPr>
-          <p:cNvPr id="34" name="Рисунок 33">
-            <a:extLst>
-              <a:ext uri="{FF2B5EF4-FFF2-40B4-BE49-F238E27FC236}">
-                <a16:creationId xmlns:a16="http://schemas.microsoft.com/office/drawing/2014/main" id="{56BBE605-D4B4-4761-A0C2-9950EB10B820}"/>
-              </a:ext>
-            </a:extLst>
-          </p:cNvPr>
-          <p:cNvPicPr>
-            <a:picLocks noChangeAspect="1"/>
-          </p:cNvPicPr>
-          <p:nvPr/>
-        </p:nvPicPr>
-        <p:blipFill>
-          <a:blip r:embed="rId6"/>
-          <a:stretch>
-            <a:fillRect/>
-          </a:stretch>
-        </p:blipFill>
-        <p:spPr>
-          <a:xfrm>
-            <a:off x="6776723" y="1741205"/>
-            <a:ext cx="620202" cy="587133"/>
-          </a:xfrm>
-          <a:prstGeom prst="rect">
-            <a:avLst/>
-          </a:prstGeom>
-        </p:spPr>
-      </p:pic>
-      <p:pic>
-        <p:nvPicPr>
-          <p:cNvPr id="35" name="Рисунок 34">
-            <a:extLst>
-              <a:ext uri="{FF2B5EF4-FFF2-40B4-BE49-F238E27FC236}">
-                <a16:creationId xmlns:a16="http://schemas.microsoft.com/office/drawing/2014/main" id="{CBA6308F-A6A1-4BEC-BBFD-D4E7C0E1A495}"/>
-              </a:ext>
-            </a:extLst>
-          </p:cNvPr>
-          <p:cNvPicPr>
-            <a:picLocks noChangeAspect="1"/>
-          </p:cNvPicPr>
-          <p:nvPr/>
-        </p:nvPicPr>
-        <p:blipFill>
-          <a:blip r:embed="rId6"/>
-          <a:stretch>
-            <a:fillRect/>
-          </a:stretch>
-        </p:blipFill>
-        <p:spPr>
-          <a:xfrm>
-            <a:off x="6812519" y="3153153"/>
-            <a:ext cx="620202" cy="700686"/>
-          </a:xfrm>
-          <a:prstGeom prst="rect">
-            <a:avLst/>
-          </a:prstGeom>
-        </p:spPr>
-      </p:pic>
-      <p:pic>
-        <p:nvPicPr>
-          <p:cNvPr id="36" name="Рисунок 35">
-            <a:extLst>
-              <a:ext uri="{FF2B5EF4-FFF2-40B4-BE49-F238E27FC236}">
-                <a16:creationId xmlns:a16="http://schemas.microsoft.com/office/drawing/2014/main" id="{AA6ED66E-4C90-431A-9D89-D2398A310498}"/>
-              </a:ext>
-            </a:extLst>
-          </p:cNvPr>
-          <p:cNvPicPr>
-            <a:picLocks noChangeAspect="1"/>
-          </p:cNvPicPr>
-          <p:nvPr/>
-        </p:nvPicPr>
-        <p:blipFill>
-          <a:blip r:embed="rId6"/>
-          <a:stretch>
-            <a:fillRect/>
-          </a:stretch>
-        </p:blipFill>
-        <p:spPr>
-          <a:xfrm>
-            <a:off x="6812519" y="4267640"/>
-            <a:ext cx="620202" cy="700686"/>
-          </a:xfrm>
-          <a:prstGeom prst="rect">
-            <a:avLst/>
-          </a:prstGeom>
-        </p:spPr>
-      </p:pic>
-      <p:pic>
-        <p:nvPicPr>
-          <p:cNvPr id="37" name="Рисунок 36">
-            <a:extLst>
-              <a:ext uri="{FF2B5EF4-FFF2-40B4-BE49-F238E27FC236}">
-                <a16:creationId xmlns:a16="http://schemas.microsoft.com/office/drawing/2014/main" id="{08EB205C-92BE-4913-BF98-E44CCACDBD65}"/>
-              </a:ext>
-            </a:extLst>
-          </p:cNvPr>
-          <p:cNvPicPr>
-            <a:picLocks noChangeAspect="1"/>
-          </p:cNvPicPr>
-          <p:nvPr/>
-        </p:nvPicPr>
-        <p:blipFill>
-          <a:blip r:embed="rId6"/>
-          <a:stretch>
-            <a:fillRect/>
-          </a:stretch>
-        </p:blipFill>
-        <p:spPr>
-          <a:xfrm>
-            <a:off x="6913815" y="5562819"/>
-            <a:ext cx="620202" cy="1254678"/>
-          </a:xfrm>
-          <a:prstGeom prst="rect">
-            <a:avLst/>
-          </a:prstGeom>
-        </p:spPr>
-      </p:pic>
-      <p:pic>
-        <p:nvPicPr>
-          <p:cNvPr id="38" name="Рисунок 37">
-            <a:extLst>
-              <a:ext uri="{FF2B5EF4-FFF2-40B4-BE49-F238E27FC236}">
-                <a16:creationId xmlns:a16="http://schemas.microsoft.com/office/drawing/2014/main" id="{AB5E1535-D43D-4380-9B79-836C01F2EEE7}"/>
-              </a:ext>
-            </a:extLst>
-          </p:cNvPr>
-          <p:cNvPicPr>
-            <a:picLocks noChangeAspect="1"/>
-          </p:cNvPicPr>
-          <p:nvPr/>
-        </p:nvPicPr>
-        <p:blipFill>
-          <a:blip r:embed="rId6"/>
-          <a:stretch>
-            <a:fillRect/>
-          </a:stretch>
-        </p:blipFill>
-        <p:spPr>
-          <a:xfrm flipH="1" flipV="1">
-            <a:off x="6816133" y="1600072"/>
-            <a:ext cx="299168" cy="337991"/>
-          </a:xfrm>
-          <a:prstGeom prst="rect">
-            <a:avLst/>
-          </a:prstGeom>
-        </p:spPr>
-      </p:pic>
-      <p:pic>
-        <p:nvPicPr>
-          <p:cNvPr id="40" name="Рисунок 39">
-            <a:extLst>
-              <a:ext uri="{FF2B5EF4-FFF2-40B4-BE49-F238E27FC236}">
-                <a16:creationId xmlns:a16="http://schemas.microsoft.com/office/drawing/2014/main" id="{1B664461-11C0-4732-8C61-98CCDEE2740C}"/>
-              </a:ext>
-            </a:extLst>
-          </p:cNvPr>
-          <p:cNvPicPr>
-            <a:picLocks noChangeAspect="1"/>
-          </p:cNvPicPr>
-          <p:nvPr/>
-        </p:nvPicPr>
-        <p:blipFill>
-          <a:blip r:embed="rId6"/>
-          <a:stretch>
-            <a:fillRect/>
-          </a:stretch>
-        </p:blipFill>
-        <p:spPr>
-          <a:xfrm>
-            <a:off x="6852523" y="2893314"/>
-            <a:ext cx="176494" cy="199398"/>
-          </a:xfrm>
-          <a:prstGeom prst="rect">
-            <a:avLst/>
-          </a:prstGeom>
-        </p:spPr>
-      </p:pic>
-      <p:pic>
-        <p:nvPicPr>
-          <p:cNvPr id="41" name="Рисунок 40">
-            <a:extLst>
-              <a:ext uri="{FF2B5EF4-FFF2-40B4-BE49-F238E27FC236}">
-                <a16:creationId xmlns:a16="http://schemas.microsoft.com/office/drawing/2014/main" id="{D831666A-A969-41D7-9767-2983C4B722D0}"/>
-              </a:ext>
-            </a:extLst>
-          </p:cNvPr>
-          <p:cNvPicPr>
-            <a:picLocks noChangeAspect="1"/>
-          </p:cNvPicPr>
-          <p:nvPr/>
-        </p:nvPicPr>
-        <p:blipFill>
-          <a:blip r:embed="rId6"/>
-          <a:stretch>
-            <a:fillRect/>
-          </a:stretch>
-        </p:blipFill>
-        <p:spPr>
-          <a:xfrm>
-            <a:off x="6744912" y="5819272"/>
-            <a:ext cx="318570" cy="359911"/>
-          </a:xfrm>
-          <a:prstGeom prst="rect">
-            <a:avLst/>
-          </a:prstGeom>
-        </p:spPr>
-      </p:pic>
-      <p:pic>
-        <p:nvPicPr>
-          <p:cNvPr id="42" name="Рисунок 41">
-            <a:extLst>
-              <a:ext uri="{FF2B5EF4-FFF2-40B4-BE49-F238E27FC236}">
-                <a16:creationId xmlns:a16="http://schemas.microsoft.com/office/drawing/2014/main" id="{0EA938E9-317B-4E72-85D3-F847139A1B97}"/>
-              </a:ext>
-            </a:extLst>
-          </p:cNvPr>
-          <p:cNvPicPr>
-            <a:picLocks noChangeAspect="1"/>
-          </p:cNvPicPr>
-          <p:nvPr/>
-        </p:nvPicPr>
-        <p:blipFill>
-          <a:blip r:embed="rId6"/>
-          <a:stretch>
-            <a:fillRect/>
-          </a:stretch>
-        </p:blipFill>
-        <p:spPr>
-          <a:xfrm flipH="1">
-            <a:off x="6796119" y="4402953"/>
-            <a:ext cx="389070" cy="655192"/>
-          </a:xfrm>
-          <a:prstGeom prst="rect">
-            <a:avLst/>
-          </a:prstGeom>
-        </p:spPr>
-      </p:pic>
-      <p:pic>
-        <p:nvPicPr>
-          <p:cNvPr id="43" name="Рисунок 42">
-            <a:extLst>
-              <a:ext uri="{FF2B5EF4-FFF2-40B4-BE49-F238E27FC236}">
-                <a16:creationId xmlns:a16="http://schemas.microsoft.com/office/drawing/2014/main" id="{3C682178-DEC1-4C62-AC02-2660664409BB}"/>
-              </a:ext>
-            </a:extLst>
-          </p:cNvPr>
-          <p:cNvPicPr>
-            <a:picLocks noChangeAspect="1"/>
-          </p:cNvPicPr>
-          <p:nvPr/>
-        </p:nvPicPr>
-        <p:blipFill>
-          <a:blip r:embed="rId6"/>
-          <a:stretch>
-            <a:fillRect/>
-          </a:stretch>
-        </p:blipFill>
-        <p:spPr>
-          <a:xfrm>
-            <a:off x="6841066" y="6524885"/>
-            <a:ext cx="389278" cy="337521"/>
-          </a:xfrm>
-          <a:prstGeom prst="rect">
-            <a:avLst/>
-          </a:prstGeom>
-        </p:spPr>
-      </p:pic>
-      <p:pic>
-        <p:nvPicPr>
-          <p:cNvPr id="44" name="Рисунок 43">
-            <a:extLst>
-              <a:ext uri="{FF2B5EF4-FFF2-40B4-BE49-F238E27FC236}">
-                <a16:creationId xmlns:a16="http://schemas.microsoft.com/office/drawing/2014/main" id="{196BFD61-B289-4077-A787-6A0786604F10}"/>
-              </a:ext>
-            </a:extLst>
-          </p:cNvPr>
-          <p:cNvPicPr>
-            <a:picLocks noChangeAspect="1"/>
-          </p:cNvPicPr>
-          <p:nvPr/>
-        </p:nvPicPr>
-        <p:blipFill>
-          <a:blip r:embed="rId6"/>
-          <a:stretch>
-            <a:fillRect/>
-          </a:stretch>
-        </p:blipFill>
-        <p:spPr>
-          <a:xfrm>
-            <a:off x="6750933" y="3208037"/>
-            <a:ext cx="325763" cy="368037"/>
+            <a:off x="0" y="0"/>
+            <a:ext cx="12192000" cy="6858000"/>
           </a:xfrm>
           <a:prstGeom prst="rect">
             <a:avLst/>
@@ -9462,7 +7354,7 @@
     </p:spTree>
     <p:extLst>
       <p:ext uri="{BB962C8B-B14F-4D97-AF65-F5344CB8AC3E}">
-        <p14:creationId xmlns:p14="http://schemas.microsoft.com/office/powerpoint/2010/main" val="2718279361"/>
+        <p14:creationId xmlns:p14="http://schemas.microsoft.com/office/powerpoint/2010/main" val="3181320695"/>
       </p:ext>
     </p:extLst>
   </p:cSld>
@@ -9475,6 +7367,14 @@
 <file path=ppt/slides/slide2.xml><?xml version="1.0" encoding="utf-8"?>
 <p:sld xmlns:a="http://schemas.openxmlformats.org/drawingml/2006/main" xmlns:r="http://schemas.openxmlformats.org/officeDocument/2006/relationships" xmlns:p="http://schemas.openxmlformats.org/presentationml/2006/main">
   <p:cSld>
+    <p:bg>
+      <p:bgPr>
+        <a:solidFill>
+          <a:srgbClr val="F3F3F2"/>
+        </a:solidFill>
+        <a:effectLst/>
+      </p:bgPr>
+    </p:bg>
     <p:spTree>
       <p:nvGrpSpPr>
         <p:cNvPr id="1" name=""/>
@@ -9538,6 +7438,7 @@
             <a:off x="1251678" y="1989057"/>
             <a:ext cx="10178322" cy="3890536"/>
           </a:xfrm>
+          <a:noFill/>
         </p:spPr>
         <p:txBody>
           <a:bodyPr/>
@@ -9552,11 +7453,141 @@
             </a:r>
             <a:r>
               <a:rPr lang="ru-RU" dirty="0"/>
-              <a:t>аркадная игра</a:t>
-            </a:r>
+              <a:t>аркадная игра, </a:t>
+            </a:r>
+            <a:endParaRPr lang="en-US" dirty="0"/>
+          </a:p>
+          <a:p>
+            <a:pPr marL="0" indent="0">
+              <a:buNone/>
+            </a:pPr>
+            <a:r>
+              <a:rPr lang="ru-RU" dirty="0"/>
+              <a:t>написанная с использованием библиотеки</a:t>
+            </a:r>
+            <a:endParaRPr lang="en-US" dirty="0"/>
+          </a:p>
+          <a:p>
+            <a:pPr marL="0" indent="0">
+              <a:buNone/>
+            </a:pPr>
+            <a:br>
+              <a:rPr lang="ru-RU" dirty="0"/>
+            </a:br>
+            <a:r>
+              <a:rPr lang="ru-RU" dirty="0"/>
+              <a:t>Суть игры заключается в том,</a:t>
+            </a:r>
+            <a:endParaRPr lang="en-US" dirty="0"/>
+          </a:p>
+          <a:p>
+            <a:pPr marL="0" indent="0">
+              <a:buNone/>
+            </a:pPr>
+            <a:r>
+              <a:rPr lang="ru-RU" dirty="0"/>
+              <a:t> чтобы проехать как можно дольше, не задев соседние машины.</a:t>
+            </a:r>
+            <a:endParaRPr lang="en-US" dirty="0"/>
+          </a:p>
+          <a:p>
+            <a:pPr marL="0" indent="0">
+              <a:buNone/>
+            </a:pPr>
+            <a:endParaRPr lang="en-US" dirty="0"/>
+          </a:p>
+          <a:p>
+            <a:pPr marL="0" indent="0">
+              <a:buNone/>
+            </a:pPr>
+            <a:r>
+              <a:rPr lang="ru-RU" dirty="0"/>
+              <a:t>Во время игры участник зарабатывает очки- монеты. </a:t>
+            </a:r>
+          </a:p>
+          <a:p>
+            <a:pPr marL="0" indent="0">
+              <a:buNone/>
+            </a:pPr>
+            <a:endParaRPr lang="ru-RU" dirty="0"/>
+          </a:p>
+          <a:p>
+            <a:pPr marL="0" indent="0">
+              <a:buNone/>
+            </a:pPr>
+            <a:endParaRPr lang="ru-RU" dirty="0"/>
+          </a:p>
+          <a:p>
+            <a:pPr marL="0" indent="0">
+              <a:buNone/>
+            </a:pPr>
+            <a:endParaRPr lang="ru-RU" dirty="0"/>
           </a:p>
         </p:txBody>
       </p:sp>
+      <p:pic>
+        <p:nvPicPr>
+          <p:cNvPr id="5" name="Рисунок 4">
+            <a:extLst>
+              <a:ext uri="{FF2B5EF4-FFF2-40B4-BE49-F238E27FC236}">
+                <a16:creationId xmlns:a16="http://schemas.microsoft.com/office/drawing/2014/main" id="{F0997E72-59B9-4E56-A500-33137258239B}"/>
+              </a:ext>
+            </a:extLst>
+          </p:cNvPr>
+          <p:cNvPicPr>
+            <a:picLocks noChangeAspect="1"/>
+          </p:cNvPicPr>
+          <p:nvPr/>
+        </p:nvPicPr>
+        <p:blipFill>
+          <a:blip r:embed="rId2"/>
+          <a:stretch>
+            <a:fillRect/>
+          </a:stretch>
+        </p:blipFill>
+        <p:spPr>
+          <a:xfrm>
+            <a:off x="5842000" y="1874517"/>
+            <a:ext cx="2082800" cy="1388533"/>
+          </a:xfrm>
+          <a:prstGeom prst="rect">
+            <a:avLst/>
+          </a:prstGeom>
+        </p:spPr>
+      </p:pic>
+      <p:pic>
+        <p:nvPicPr>
+          <p:cNvPr id="9" name="Рисунок 8">
+            <a:extLst>
+              <a:ext uri="{FF2B5EF4-FFF2-40B4-BE49-F238E27FC236}">
+                <a16:creationId xmlns:a16="http://schemas.microsoft.com/office/drawing/2014/main" id="{6B58CAFA-25D9-4089-8174-637A9E7B5BC8}"/>
+              </a:ext>
+            </a:extLst>
+          </p:cNvPr>
+          <p:cNvPicPr>
+            <a:picLocks noChangeAspect="1"/>
+          </p:cNvPicPr>
+          <p:nvPr/>
+        </p:nvPicPr>
+        <p:blipFill rotWithShape="1">
+          <a:blip r:embed="rId3"/>
+          <a:srcRect l="6348" r="3929"/>
+          <a:stretch/>
+        </p:blipFill>
+        <p:spPr>
+          <a:xfrm>
+            <a:off x="8918293" y="2301997"/>
+            <a:ext cx="2511707" cy="4173618"/>
+          </a:xfrm>
+          <a:prstGeom prst="rect">
+            <a:avLst/>
+          </a:prstGeom>
+          <a:effectLst>
+            <a:reflection endPos="0" dist="50800" dir="5400000" sy="-100000" algn="bl" rotWithShape="0"/>
+            <a:softEdge rad="76200"/>
+          </a:effectLst>
+        </p:spPr>
+      </p:pic>
     </p:spTree>
     <p:extLst>
       <p:ext uri="{BB962C8B-B14F-4D97-AF65-F5344CB8AC3E}">
@@ -9977,51 +8008,6 @@
           </a:p>
         </p:txBody>
       </p:sp>
-      <p:pic>
-        <p:nvPicPr>
-          <p:cNvPr id="8" name="Объект 7">
-            <a:extLst>
-              <a:ext uri="{FF2B5EF4-FFF2-40B4-BE49-F238E27FC236}">
-                <a16:creationId xmlns:a16="http://schemas.microsoft.com/office/drawing/2014/main" id="{EAD6B583-9778-4F67-8E78-58EFB46A944A}"/>
-              </a:ext>
-            </a:extLst>
-          </p:cNvPr>
-          <p:cNvPicPr>
-            <a:picLocks noGrp="1" noChangeAspect="1"/>
-          </p:cNvPicPr>
-          <p:nvPr>
-            <p:ph sz="half" idx="2"/>
-          </p:nvPr>
-        </p:nvPicPr>
-        <p:blipFill rotWithShape="1">
-          <a:blip r:embed="rId2"/>
-          <a:srcRect t="382" r="4233" b="-1"/>
-          <a:stretch/>
-        </p:blipFill>
-        <p:spPr>
-          <a:xfrm>
-            <a:off x="2067364" y="2120667"/>
-            <a:ext cx="3023754" cy="4342947"/>
-          </a:xfrm>
-          <a:prstGeom prst="rect">
-            <a:avLst/>
-          </a:prstGeom>
-          <a:ln w="38100" cap="sq">
-            <a:solidFill>
-              <a:srgbClr val="000000"/>
-            </a:solidFill>
-            <a:prstDash val="solid"/>
-            <a:miter lim="800000"/>
-          </a:ln>
-          <a:effectLst>
-            <a:outerShdw blurRad="50800" dist="38100" dir="2700000" algn="tl" rotWithShape="0">
-              <a:srgbClr val="000000">
-                <a:alpha val="43000"/>
-              </a:srgbClr>
-            </a:outerShdw>
-          </a:effectLst>
-        </p:spPr>
-      </p:pic>
       <p:sp>
         <p:nvSpPr>
           <p:cNvPr id="5" name="Текст 4">
@@ -10073,15 +8059,15 @@
           </p:nvPr>
         </p:nvPicPr>
         <p:blipFill>
-          <a:blip r:embed="rId3"/>
+          <a:blip r:embed="rId2"/>
           <a:stretch>
             <a:fillRect/>
           </a:stretch>
         </p:blipFill>
         <p:spPr>
           <a:xfrm>
-            <a:off x="6860704" y="3916532"/>
-            <a:ext cx="4564724" cy="2452119"/>
+            <a:off x="6951862" y="4011495"/>
+            <a:ext cx="4174883" cy="2452119"/>
           </a:xfrm>
           <a:prstGeom prst="rect">
             <a:avLst/>
@@ -10119,7 +8105,7 @@
           <p:nvPr/>
         </p:nvPicPr>
         <p:blipFill>
-          <a:blip r:embed="rId4"/>
+          <a:blip r:embed="rId3"/>
           <a:stretch>
             <a:fillRect/>
           </a:stretch>
@@ -10159,7 +8145,7 @@
           <p:nvPr/>
         </p:nvPicPr>
         <p:blipFill>
-          <a:blip r:embed="rId5"/>
+          <a:blip r:embed="rId4"/>
           <a:stretch>
             <a:fillRect/>
           </a:stretch>
@@ -10276,6 +8262,61 @@
           </a:fontRef>
         </p:style>
       </p:cxnSp>
+      <p:pic>
+        <p:nvPicPr>
+          <p:cNvPr id="13" name="Рисунок 12">
+            <a:extLst>
+              <a:ext uri="{FF2B5EF4-FFF2-40B4-BE49-F238E27FC236}">
+                <a16:creationId xmlns:a16="http://schemas.microsoft.com/office/drawing/2014/main" id="{DA9517B5-8A1F-4A3F-B990-7C324651ABE5}"/>
+              </a:ext>
+            </a:extLst>
+          </p:cNvPr>
+          <p:cNvPicPr>
+            <a:picLocks noChangeAspect="1"/>
+          </p:cNvPicPr>
+          <p:nvPr/>
+        </p:nvPicPr>
+        <p:blipFill>
+          <a:blip r:embed="rId5"/>
+          <a:stretch>
+            <a:fillRect/>
+          </a:stretch>
+        </p:blipFill>
+        <p:spPr>
+          <a:xfrm>
+            <a:off x="1898248" y="2291792"/>
+            <a:ext cx="3460829" cy="4074280"/>
+          </a:xfrm>
+          <a:prstGeom prst="rect">
+            <a:avLst/>
+          </a:prstGeom>
+        </p:spPr>
+      </p:pic>
+      <p:sp>
+        <p:nvSpPr>
+          <p:cNvPr id="16" name="Объект 15">
+            <a:extLst>
+              <a:ext uri="{FF2B5EF4-FFF2-40B4-BE49-F238E27FC236}">
+                <a16:creationId xmlns:a16="http://schemas.microsoft.com/office/drawing/2014/main" id="{FEEC38E9-FEF3-4C65-931A-1A325425D035}"/>
+              </a:ext>
+            </a:extLst>
+          </p:cNvPr>
+          <p:cNvSpPr>
+            <a:spLocks noGrp="1"/>
+          </p:cNvSpPr>
+          <p:nvPr>
+            <p:ph sz="half" idx="2"/>
+          </p:nvPr>
+        </p:nvSpPr>
+        <p:spPr/>
+        <p:txBody>
+          <a:bodyPr/>
+          <a:lstStyle/>
+          <a:p>
+            <a:endParaRPr lang="ru-RU"/>
+          </a:p>
+        </p:txBody>
+      </p:sp>
     </p:spTree>
     <p:extLst>
       <p:ext uri="{BB962C8B-B14F-4D97-AF65-F5344CB8AC3E}">
@@ -10330,7 +8371,7 @@
             <a:pPr algn="ctr"/>
             <a:r>
               <a:rPr lang="ru-RU" dirty="0"/>
-              <a:t>       Пункт меню настройки                 </a:t>
+              <a:t>       Пункт меню «настройки»                 </a:t>
             </a:r>
           </a:p>
         </p:txBody>
@@ -10382,7 +8423,7 @@
                 <a:latin typeface="Carlito" panose="020F0502020204030204" pitchFamily="34" charset="0"/>
                 <a:cs typeface="Carlito" panose="020F0502020204030204" pitchFamily="34" charset="0"/>
               </a:rPr>
-              <a:t>изменение внешнее оформление игры</a:t>
+              <a:t>изменение внешнего оформления игры</a:t>
             </a:r>
           </a:p>
           <a:p>
@@ -10408,7 +8449,7 @@
                 <a:latin typeface="Carlito" panose="020F0502020204030204" pitchFamily="34" charset="0"/>
                 <a:cs typeface="Carlito" panose="020F0502020204030204" pitchFamily="34" charset="0"/>
               </a:rPr>
-              <a:t>Подключение вертикальной синхронизации</a:t>
+              <a:t>подключение вертикальной синхронизации</a:t>
             </a:r>
           </a:p>
           <a:p>
@@ -10421,7 +8462,7 @@
                 <a:latin typeface="Carlito" panose="020F0502020204030204" pitchFamily="34" charset="0"/>
                 <a:cs typeface="Carlito" panose="020F0502020204030204" pitchFamily="34" charset="0"/>
               </a:rPr>
-              <a:t>Настройка частоты кадров</a:t>
+              <a:t>настройка частоты кадров</a:t>
             </a:r>
           </a:p>
           <a:p>
@@ -10761,7 +8802,7 @@
         <p:spPr>
           <a:xfrm>
             <a:off x="1251678" y="3726874"/>
-            <a:ext cx="5508307" cy="2590876"/>
+            <a:ext cx="5174253" cy="2590876"/>
           </a:xfrm>
           <a:prstGeom prst="roundRect">
             <a:avLst>
@@ -11081,6 +9122,7 @@
           <a:prstGeom prst="rect">
             <a:avLst/>
           </a:prstGeom>
+          <a:noFill/>
         </p:spPr>
       </p:pic>
     </p:spTree>
@@ -11913,20 +9955,20 @@
 </file>
 
 <file path=customXml/item1.xml><?xml version="1.0" encoding="utf-8"?>
-<p:properties xmlns:p="http://schemas.microsoft.com/office/2006/metadata/properties" xmlns:xsi="http://www.w3.org/2001/XMLSchema-instance" xmlns:pc="http://schemas.microsoft.com/office/infopath/2007/PartnerControls">
-  <documentManagement>
-    <MediaServiceKeyPoints xmlns="71af3243-3dd4-4a8d-8c0d-dd76da1f02a5" xsi:nil="true"/>
-  </documentManagement>
-</p:properties>
-</file>
-
-<file path=customXml/item2.xml><?xml version="1.0" encoding="utf-8"?>
 <?mso-contentType ?>
 <FormTemplates xmlns="http://schemas.microsoft.com/sharepoint/v3/contenttype/forms">
   <Display>DocumentLibraryForm</Display>
   <Edit>DocumentLibraryForm</Edit>
   <New>DocumentLibraryForm</New>
 </FormTemplates>
+</file>
+
+<file path=customXml/item2.xml><?xml version="1.0" encoding="utf-8"?>
+<p:properties xmlns:p="http://schemas.microsoft.com/office/2006/metadata/properties" xmlns:xsi="http://www.w3.org/2001/XMLSchema-instance" xmlns:pc="http://schemas.microsoft.com/office/infopath/2007/PartnerControls">
+  <documentManagement>
+    <MediaServiceKeyPoints xmlns="71af3243-3dd4-4a8d-8c0d-dd76da1f02a5" xsi:nil="true"/>
+  </documentManagement>
+</p:properties>
 </file>
 
 <file path=customXml/item3.xml><?xml version="1.0" encoding="utf-8"?>
@@ -12141,19 +10183,19 @@
 </file>
 
 <file path=customXml/itemProps1.xml><?xml version="1.0" encoding="utf-8"?>
+<ds:datastoreItem xmlns:ds="http://schemas.openxmlformats.org/officeDocument/2006/customXml" ds:itemID="{032C9D10-CA80-4BC9-9D59-B4B9486E9328}">
+  <ds:schemaRefs>
+    <ds:schemaRef ds:uri="http://schemas.microsoft.com/sharepoint/v3/contenttype/forms"/>
+  </ds:schemaRefs>
+</ds:datastoreItem>
+</file>
+
+<file path=customXml/itemProps2.xml><?xml version="1.0" encoding="utf-8"?>
 <ds:datastoreItem xmlns:ds="http://schemas.openxmlformats.org/officeDocument/2006/customXml" ds:itemID="{055D5C12-9048-448D-A69C-F00736C0732E}">
   <ds:schemaRefs>
     <ds:schemaRef ds:uri="http://schemas.microsoft.com/office/2006/metadata/properties"/>
     <ds:schemaRef ds:uri="http://schemas.microsoft.com/office/infopath/2007/PartnerControls"/>
     <ds:schemaRef ds:uri="71af3243-3dd4-4a8d-8c0d-dd76da1f02a5"/>
-  </ds:schemaRefs>
-</ds:datastoreItem>
-</file>
-
-<file path=customXml/itemProps2.xml><?xml version="1.0" encoding="utf-8"?>
-<ds:datastoreItem xmlns:ds="http://schemas.openxmlformats.org/officeDocument/2006/customXml" ds:itemID="{032C9D10-CA80-4BC9-9D59-B4B9486E9328}">
-  <ds:schemaRefs>
-    <ds:schemaRef ds:uri="http://schemas.microsoft.com/sharepoint/v3/contenttype/forms"/>
   </ds:schemaRefs>
 </ds:datastoreItem>
 </file>

--- a/Docs/Racing.pptx
+++ b/Docs/Racing.pptx
@@ -7449,7 +7449,15 @@
             </a:pPr>
             <a:r>
               <a:rPr lang="en-US" dirty="0"/>
-              <a:t>RACING – </a:t>
+              <a:t>RACING </a:t>
+            </a:r>
+            <a:r>
+              <a:rPr lang="ru-RU" dirty="0"/>
+              <a:t>-</a:t>
+            </a:r>
+            <a:r>
+              <a:rPr lang="en-US" dirty="0"/>
+              <a:t> </a:t>
             </a:r>
             <a:r>
               <a:rPr lang="ru-RU" dirty="0"/>
@@ -7885,17 +7893,13 @@
           <a:prstGeom prst="rect">
             <a:avLst/>
           </a:prstGeom>
-          <a:ln w="38100" cap="sq">
-            <a:solidFill>
-              <a:srgbClr val="000000"/>
-            </a:solidFill>
-            <a:prstDash val="solid"/>
-            <a:miter lim="800000"/>
+          <a:ln>
+            <a:noFill/>
           </a:ln>
           <a:effectLst>
-            <a:outerShdw blurRad="50800" dist="38100" dir="2700000" algn="tl" rotWithShape="0">
+            <a:outerShdw blurRad="190500" algn="tl" rotWithShape="0">
               <a:srgbClr val="000000">
-                <a:alpha val="43000"/>
+                <a:alpha val="70000"/>
               </a:srgbClr>
             </a:outerShdw>
           </a:effectLst>
@@ -8730,7 +8734,7 @@
             </a:pPr>
             <a:r>
               <a:rPr lang="ru-RU" sz="1800" dirty="0"/>
-              <a:t>      игры и тратить на покупку</a:t>
+              <a:t>     игры и тратить на покупку</a:t>
             </a:r>
             <a:r>
               <a:rPr lang="en-US" sz="1800" dirty="0"/>
@@ -9955,20 +9959,20 @@
 </file>
 
 <file path=customXml/item1.xml><?xml version="1.0" encoding="utf-8"?>
+<p:properties xmlns:p="http://schemas.microsoft.com/office/2006/metadata/properties" xmlns:xsi="http://www.w3.org/2001/XMLSchema-instance" xmlns:pc="http://schemas.microsoft.com/office/infopath/2007/PartnerControls">
+  <documentManagement>
+    <MediaServiceKeyPoints xmlns="71af3243-3dd4-4a8d-8c0d-dd76da1f02a5" xsi:nil="true"/>
+  </documentManagement>
+</p:properties>
+</file>
+
+<file path=customXml/item2.xml><?xml version="1.0" encoding="utf-8"?>
 <?mso-contentType ?>
 <FormTemplates xmlns="http://schemas.microsoft.com/sharepoint/v3/contenttype/forms">
   <Display>DocumentLibraryForm</Display>
   <Edit>DocumentLibraryForm</Edit>
   <New>DocumentLibraryForm</New>
 </FormTemplates>
-</file>
-
-<file path=customXml/item2.xml><?xml version="1.0" encoding="utf-8"?>
-<p:properties xmlns:p="http://schemas.microsoft.com/office/2006/metadata/properties" xmlns:xsi="http://www.w3.org/2001/XMLSchema-instance" xmlns:pc="http://schemas.microsoft.com/office/infopath/2007/PartnerControls">
-  <documentManagement>
-    <MediaServiceKeyPoints xmlns="71af3243-3dd4-4a8d-8c0d-dd76da1f02a5" xsi:nil="true"/>
-  </documentManagement>
-</p:properties>
 </file>
 
 <file path=customXml/item3.xml><?xml version="1.0" encoding="utf-8"?>
@@ -10183,19 +10187,19 @@
 </file>
 
 <file path=customXml/itemProps1.xml><?xml version="1.0" encoding="utf-8"?>
-<ds:datastoreItem xmlns:ds="http://schemas.openxmlformats.org/officeDocument/2006/customXml" ds:itemID="{032C9D10-CA80-4BC9-9D59-B4B9486E9328}">
+<ds:datastoreItem xmlns:ds="http://schemas.openxmlformats.org/officeDocument/2006/customXml" ds:itemID="{055D5C12-9048-448D-A69C-F00736C0732E}">
   <ds:schemaRefs>
-    <ds:schemaRef ds:uri="http://schemas.microsoft.com/sharepoint/v3/contenttype/forms"/>
+    <ds:schemaRef ds:uri="http://schemas.microsoft.com/office/2006/metadata/properties"/>
+    <ds:schemaRef ds:uri="http://schemas.microsoft.com/office/infopath/2007/PartnerControls"/>
+    <ds:schemaRef ds:uri="71af3243-3dd4-4a8d-8c0d-dd76da1f02a5"/>
   </ds:schemaRefs>
 </ds:datastoreItem>
 </file>
 
 <file path=customXml/itemProps2.xml><?xml version="1.0" encoding="utf-8"?>
-<ds:datastoreItem xmlns:ds="http://schemas.openxmlformats.org/officeDocument/2006/customXml" ds:itemID="{055D5C12-9048-448D-A69C-F00736C0732E}">
+<ds:datastoreItem xmlns:ds="http://schemas.openxmlformats.org/officeDocument/2006/customXml" ds:itemID="{032C9D10-CA80-4BC9-9D59-B4B9486E9328}">
   <ds:schemaRefs>
-    <ds:schemaRef ds:uri="http://schemas.microsoft.com/office/2006/metadata/properties"/>
-    <ds:schemaRef ds:uri="http://schemas.microsoft.com/office/infopath/2007/PartnerControls"/>
-    <ds:schemaRef ds:uri="71af3243-3dd4-4a8d-8c0d-dd76da1f02a5"/>
+    <ds:schemaRef ds:uri="http://schemas.microsoft.com/sharepoint/v3/contenttype/forms"/>
   </ds:schemaRefs>
 </ds:datastoreItem>
 </file>

--- a/Docs/Racing.pptx
+++ b/Docs/Racing.pptx
@@ -7410,9 +7410,14 @@
           <a:bodyPr/>
           <a:lstStyle/>
           <a:p>
-            <a:r>
-              <a:rPr lang="ru-RU" dirty="0"/>
-              <a:t>                Описание проекта</a:t>
+            <a:pPr algn="ctr"/>
+            <a:r>
+              <a:rPr lang="ru-RU" b="1" dirty="0">
+                <a:latin typeface="Helvetica Neue Condensed Black" panose="02000503000000020004" pitchFamily="2" charset="0"/>
+                <a:ea typeface="Helvetica Neue Condensed Black" panose="02000503000000020004" pitchFamily="2" charset="0"/>
+                <a:cs typeface="Helvetica Neue Condensed Black" panose="02000503000000020004" pitchFamily="2" charset="0"/>
+              </a:rPr>
+              <a:t>Описание проекта</a:t>
             </a:r>
           </a:p>
         </p:txBody>
@@ -7449,15 +7454,7 @@
             </a:pPr>
             <a:r>
               <a:rPr lang="en-US" dirty="0"/>
-              <a:t>RACING </a:t>
-            </a:r>
-            <a:r>
-              <a:rPr lang="ru-RU" dirty="0"/>
-              <a:t>-</a:t>
-            </a:r>
-            <a:r>
-              <a:rPr lang="en-US" dirty="0"/>
-              <a:t> </a:t>
+              <a:t>RACING — </a:t>
             </a:r>
             <a:r>
               <a:rPr lang="ru-RU" dirty="0"/>
@@ -7494,7 +7491,7 @@
             </a:pPr>
             <a:r>
               <a:rPr lang="ru-RU" dirty="0"/>
-              <a:t> чтобы проехать как можно дольше, не задев соседние машины.</a:t>
+              <a:t>чтобы проехать как можно дольше, не задев соседние машины.</a:t>
             </a:r>
             <a:endParaRPr lang="en-US" dirty="0"/>
           </a:p>
@@ -7510,7 +7507,7 @@
             </a:pPr>
             <a:r>
               <a:rPr lang="ru-RU" dirty="0"/>
-              <a:t>Во время игры участник зарабатывает очки- монеты. </a:t>
+              <a:t>Во время игры участник зарабатывает очки-монеты. </a:t>
             </a:r>
           </a:p>
           <a:p>
@@ -8296,31 +8293,6 @@
           </a:prstGeom>
         </p:spPr>
       </p:pic>
-      <p:sp>
-        <p:nvSpPr>
-          <p:cNvPr id="16" name="Объект 15">
-            <a:extLst>
-              <a:ext uri="{FF2B5EF4-FFF2-40B4-BE49-F238E27FC236}">
-                <a16:creationId xmlns:a16="http://schemas.microsoft.com/office/drawing/2014/main" id="{FEEC38E9-FEF3-4C65-931A-1A325425D035}"/>
-              </a:ext>
-            </a:extLst>
-          </p:cNvPr>
-          <p:cNvSpPr>
-            <a:spLocks noGrp="1"/>
-          </p:cNvSpPr>
-          <p:nvPr>
-            <p:ph sz="half" idx="2"/>
-          </p:nvPr>
-        </p:nvSpPr>
-        <p:spPr/>
-        <p:txBody>
-          <a:bodyPr/>
-          <a:lstStyle/>
-          <a:p>
-            <a:endParaRPr lang="ru-RU"/>
-          </a:p>
-        </p:txBody>
-      </p:sp>
     </p:spTree>
     <p:extLst>
       <p:ext uri="{BB962C8B-B14F-4D97-AF65-F5344CB8AC3E}">
@@ -8725,16 +8697,14 @@
             </a:pPr>
             <a:r>
               <a:rPr lang="ru-RU" sz="1800" dirty="0"/>
-              <a:t>Виртуальная валюта, которую можно зарабатывать во время </a:t>
-            </a:r>
-          </a:p>
-          <a:p>
-            <a:pPr marL="0" indent="0">
-              <a:buNone/>
-            </a:pPr>
+              <a:t>Виртуальная валюта, которую можно зарабатывать во время</a:t>
+            </a:r>
+            <a:br>
+              <a:rPr lang="en-US" sz="1800" dirty="0"/>
+            </a:br>
             <a:r>
               <a:rPr lang="ru-RU" sz="1800" dirty="0"/>
-              <a:t>     игры и тратить на покупку</a:t>
+              <a:t>игры и тратить на покупку</a:t>
             </a:r>
             <a:r>
               <a:rPr lang="en-US" sz="1800" dirty="0"/>
@@ -9959,20 +9929,20 @@
 </file>
 
 <file path=customXml/item1.xml><?xml version="1.0" encoding="utf-8"?>
-<p:properties xmlns:p="http://schemas.microsoft.com/office/2006/metadata/properties" xmlns:xsi="http://www.w3.org/2001/XMLSchema-instance" xmlns:pc="http://schemas.microsoft.com/office/infopath/2007/PartnerControls">
-  <documentManagement>
-    <MediaServiceKeyPoints xmlns="71af3243-3dd4-4a8d-8c0d-dd76da1f02a5" xsi:nil="true"/>
-  </documentManagement>
-</p:properties>
-</file>
-
-<file path=customXml/item2.xml><?xml version="1.0" encoding="utf-8"?>
 <?mso-contentType ?>
 <FormTemplates xmlns="http://schemas.microsoft.com/sharepoint/v3/contenttype/forms">
   <Display>DocumentLibraryForm</Display>
   <Edit>DocumentLibraryForm</Edit>
   <New>DocumentLibraryForm</New>
 </FormTemplates>
+</file>
+
+<file path=customXml/item2.xml><?xml version="1.0" encoding="utf-8"?>
+<p:properties xmlns:p="http://schemas.microsoft.com/office/2006/metadata/properties" xmlns:xsi="http://www.w3.org/2001/XMLSchema-instance" xmlns:pc="http://schemas.microsoft.com/office/infopath/2007/PartnerControls">
+  <documentManagement>
+    <MediaServiceKeyPoints xmlns="71af3243-3dd4-4a8d-8c0d-dd76da1f02a5" xsi:nil="true"/>
+  </documentManagement>
+</p:properties>
 </file>
 
 <file path=customXml/item3.xml><?xml version="1.0" encoding="utf-8"?>
@@ -10187,19 +10157,19 @@
 </file>
 
 <file path=customXml/itemProps1.xml><?xml version="1.0" encoding="utf-8"?>
+<ds:datastoreItem xmlns:ds="http://schemas.openxmlformats.org/officeDocument/2006/customXml" ds:itemID="{032C9D10-CA80-4BC9-9D59-B4B9486E9328}">
+  <ds:schemaRefs>
+    <ds:schemaRef ds:uri="http://schemas.microsoft.com/sharepoint/v3/contenttype/forms"/>
+  </ds:schemaRefs>
+</ds:datastoreItem>
+</file>
+
+<file path=customXml/itemProps2.xml><?xml version="1.0" encoding="utf-8"?>
 <ds:datastoreItem xmlns:ds="http://schemas.openxmlformats.org/officeDocument/2006/customXml" ds:itemID="{055D5C12-9048-448D-A69C-F00736C0732E}">
   <ds:schemaRefs>
     <ds:schemaRef ds:uri="http://schemas.microsoft.com/office/2006/metadata/properties"/>
     <ds:schemaRef ds:uri="http://schemas.microsoft.com/office/infopath/2007/PartnerControls"/>
     <ds:schemaRef ds:uri="71af3243-3dd4-4a8d-8c0d-dd76da1f02a5"/>
-  </ds:schemaRefs>
-</ds:datastoreItem>
-</file>
-
-<file path=customXml/itemProps2.xml><?xml version="1.0" encoding="utf-8"?>
-<ds:datastoreItem xmlns:ds="http://schemas.openxmlformats.org/officeDocument/2006/customXml" ds:itemID="{032C9D10-CA80-4BC9-9D59-B4B9486E9328}">
-  <ds:schemaRefs>
-    <ds:schemaRef ds:uri="http://schemas.microsoft.com/sharepoint/v3/contenttype/forms"/>
   </ds:schemaRefs>
 </ds:datastoreItem>
 </file>

--- a/Docs/Racing.pptx
+++ b/Docs/Racing.pptx
@@ -7651,6 +7651,7 @@
           </a:bodyPr>
           <a:lstStyle/>
           <a:p>
+            <a:pPr algn="ctr"/>
             <a:r>
               <a:rPr lang="ru-RU" dirty="0"/>
               <a:t>Как пользоваться приложением..?</a:t>
@@ -8347,7 +8348,7 @@
             <a:pPr algn="ctr"/>
             <a:r>
               <a:rPr lang="ru-RU" dirty="0"/>
-              <a:t>       Пункт меню «настройки»                 </a:t>
+              <a:t>Пункт меню «настройки»</a:t>
             </a:r>
           </a:p>
         </p:txBody>
@@ -8660,7 +8661,7 @@
             <a:pPr algn="ctr"/>
             <a:r>
               <a:rPr lang="ru-RU" dirty="0"/>
-              <a:t> Особенности Игры</a:t>
+              <a:t>Особенности Игры</a:t>
             </a:r>
           </a:p>
         </p:txBody>
@@ -8914,9 +8915,10 @@
           <a:bodyPr/>
           <a:lstStyle/>
           <a:p>
+            <a:pPr algn="ctr"/>
             <a:r>
               <a:rPr lang="ru-RU" dirty="0"/>
-              <a:t>            Спасибо за внимание!</a:t>
+              <a:t>Спасибо за внимание!</a:t>
             </a:r>
           </a:p>
         </p:txBody>
